--- a/A játék ppt-je/Dungeon_Rush.pptx
+++ b/A játék ppt-je/Dungeon_Rush.pptx
@@ -168,7 +168,7 @@
           <a:noFill/>
           <a:extLst>
             <a:ext uri="{909E8E84-426E-40dd-AFC4-6F175D3DCCD1}">
-              <a14:hiddenFill xmlns="" xmlns:a14="http://schemas.microsoft.com/office/drawing/2010/main">
+              <a14:hiddenFill xmlns:a14="http://schemas.microsoft.com/office/drawing/2010/main" xmlns="">
                 <a:solidFill>
                   <a:srgbClr val="FFFFFF"/>
                 </a:solidFill>
@@ -228,7 +228,7 @@
             </a:ln>
             <a:extLst>
               <a:ext uri="{91240B29-F687-4f45-9708-019B960494DF}">
-                <a14:hiddenLine xmlns="" xmlns:a14="http://schemas.microsoft.com/office/drawing/2010/main" w="9525">
+                <a14:hiddenLine xmlns:a14="http://schemas.microsoft.com/office/drawing/2010/main" xmlns="" w="9525">
                   <a:solidFill>
                     <a:srgbClr val="000000"/>
                   </a:solidFill>
@@ -318,7 +318,7 @@
             </a:ln>
             <a:extLst>
               <a:ext uri="{91240B29-F687-4f45-9708-019B960494DF}">
-                <a14:hiddenLine xmlns="" xmlns:a14="http://schemas.microsoft.com/office/drawing/2010/main" w="9525">
+                <a14:hiddenLine xmlns:a14="http://schemas.microsoft.com/office/drawing/2010/main" xmlns="" w="9525">
                   <a:solidFill>
                     <a:srgbClr val="000000"/>
                   </a:solidFill>
@@ -408,7 +408,7 @@
             </a:ln>
             <a:extLst>
               <a:ext uri="{91240B29-F687-4f45-9708-019B960494DF}">
-                <a14:hiddenLine xmlns="" xmlns:a14="http://schemas.microsoft.com/office/drawing/2010/main" w="9525">
+                <a14:hiddenLine xmlns:a14="http://schemas.microsoft.com/office/drawing/2010/main" xmlns="" w="9525">
                   <a:solidFill>
                     <a:srgbClr val="000000"/>
                   </a:solidFill>
@@ -442,7 +442,7 @@
             </a:ln>
             <a:extLst>
               <a:ext uri="{91240B29-F687-4f45-9708-019B960494DF}">
-                <a14:hiddenLine xmlns="" xmlns:a14="http://schemas.microsoft.com/office/drawing/2010/main" w="9525">
+                <a14:hiddenLine xmlns:a14="http://schemas.microsoft.com/office/drawing/2010/main" xmlns="" w="9525">
                   <a:solidFill>
                     <a:srgbClr val="000000"/>
                   </a:solidFill>
@@ -532,7 +532,7 @@
             </a:ln>
             <a:extLst>
               <a:ext uri="{91240B29-F687-4f45-9708-019B960494DF}">
-                <a14:hiddenLine xmlns="" xmlns:a14="http://schemas.microsoft.com/office/drawing/2010/main" w="9525">
+                <a14:hiddenLine xmlns:a14="http://schemas.microsoft.com/office/drawing/2010/main" xmlns="" w="9525">
                   <a:solidFill>
                     <a:srgbClr val="000000"/>
                   </a:solidFill>
@@ -594,7 +594,7 @@
             </a:ln>
             <a:extLst>
               <a:ext uri="{91240B29-F687-4f45-9708-019B960494DF}">
-                <a14:hiddenLine xmlns="" xmlns:a14="http://schemas.microsoft.com/office/drawing/2010/main" w="9525">
+                <a14:hiddenLine xmlns:a14="http://schemas.microsoft.com/office/drawing/2010/main" xmlns="" w="9525">
                   <a:solidFill>
                     <a:srgbClr val="000000"/>
                   </a:solidFill>
@@ -656,7 +656,7 @@
             </a:ln>
             <a:extLst>
               <a:ext uri="{91240B29-F687-4f45-9708-019B960494DF}">
-                <a14:hiddenLine xmlns="" xmlns:a14="http://schemas.microsoft.com/office/drawing/2010/main" w="9525">
+                <a14:hiddenLine xmlns:a14="http://schemas.microsoft.com/office/drawing/2010/main" xmlns="" w="9525">
                   <a:solidFill>
                     <a:srgbClr val="000000"/>
                   </a:solidFill>
@@ -746,7 +746,7 @@
             </a:ln>
             <a:extLst>
               <a:ext uri="{91240B29-F687-4f45-9708-019B960494DF}">
-                <a14:hiddenLine xmlns="" xmlns:a14="http://schemas.microsoft.com/office/drawing/2010/main" w="9525">
+                <a14:hiddenLine xmlns:a14="http://schemas.microsoft.com/office/drawing/2010/main" xmlns="" w="9525">
                   <a:solidFill>
                     <a:srgbClr val="000000"/>
                   </a:solidFill>
@@ -808,7 +808,7 @@
             </a:ln>
             <a:extLst>
               <a:ext uri="{91240B29-F687-4f45-9708-019B960494DF}">
-                <a14:hiddenLine xmlns="" xmlns:a14="http://schemas.microsoft.com/office/drawing/2010/main" w="9525">
+                <a14:hiddenLine xmlns:a14="http://schemas.microsoft.com/office/drawing/2010/main" xmlns="" w="9525">
                   <a:solidFill>
                     <a:srgbClr val="000000"/>
                   </a:solidFill>
@@ -870,7 +870,7 @@
             </a:ln>
             <a:extLst>
               <a:ext uri="{91240B29-F687-4f45-9708-019B960494DF}">
-                <a14:hiddenLine xmlns="" xmlns:a14="http://schemas.microsoft.com/office/drawing/2010/main" w="9525">
+                <a14:hiddenLine xmlns:a14="http://schemas.microsoft.com/office/drawing/2010/main" xmlns="" w="9525">
                   <a:solidFill>
                     <a:srgbClr val="000000"/>
                   </a:solidFill>
@@ -960,7 +960,7 @@
             </a:ln>
             <a:extLst>
               <a:ext uri="{91240B29-F687-4f45-9708-019B960494DF}">
-                <a14:hiddenLine xmlns="" xmlns:a14="http://schemas.microsoft.com/office/drawing/2010/main" w="9525">
+                <a14:hiddenLine xmlns:a14="http://schemas.microsoft.com/office/drawing/2010/main" xmlns="" w="9525">
                   <a:solidFill>
                     <a:srgbClr val="000000"/>
                   </a:solidFill>
@@ -1050,7 +1050,7 @@
             </a:ln>
             <a:extLst>
               <a:ext uri="{91240B29-F687-4f45-9708-019B960494DF}">
-                <a14:hiddenLine xmlns="" xmlns:a14="http://schemas.microsoft.com/office/drawing/2010/main" w="9525">
+                <a14:hiddenLine xmlns:a14="http://schemas.microsoft.com/office/drawing/2010/main" xmlns="" w="9525">
                   <a:solidFill>
                     <a:srgbClr val="000000"/>
                   </a:solidFill>
@@ -1112,7 +1112,7 @@
             </a:ln>
             <a:extLst>
               <a:ext uri="{91240B29-F687-4f45-9708-019B960494DF}">
-                <a14:hiddenLine xmlns="" xmlns:a14="http://schemas.microsoft.com/office/drawing/2010/main" w="9525">
+                <a14:hiddenLine xmlns:a14="http://schemas.microsoft.com/office/drawing/2010/main" xmlns="" w="9525">
                   <a:solidFill>
                     <a:srgbClr val="000000"/>
                   </a:solidFill>
@@ -1222,7 +1222,7 @@
             </a:ln>
             <a:extLst>
               <a:ext uri="{91240B29-F687-4f45-9708-019B960494DF}">
-                <a14:hiddenLine xmlns="" xmlns:a14="http://schemas.microsoft.com/office/drawing/2010/main" w="9525">
+                <a14:hiddenLine xmlns:a14="http://schemas.microsoft.com/office/drawing/2010/main" xmlns="" w="9525">
                   <a:solidFill>
                     <a:srgbClr val="000000"/>
                   </a:solidFill>
@@ -1284,7 +1284,7 @@
             </a:ln>
             <a:extLst>
               <a:ext uri="{91240B29-F687-4f45-9708-019B960494DF}">
-                <a14:hiddenLine xmlns="" xmlns:a14="http://schemas.microsoft.com/office/drawing/2010/main" w="9525">
+                <a14:hiddenLine xmlns:a14="http://schemas.microsoft.com/office/drawing/2010/main" xmlns="" w="9525">
                   <a:solidFill>
                     <a:srgbClr val="000000"/>
                   </a:solidFill>
@@ -1374,7 +1374,7 @@
             </a:ln>
             <a:extLst>
               <a:ext uri="{91240B29-F687-4f45-9708-019B960494DF}">
-                <a14:hiddenLine xmlns="" xmlns:a14="http://schemas.microsoft.com/office/drawing/2010/main" w="9525">
+                <a14:hiddenLine xmlns:a14="http://schemas.microsoft.com/office/drawing/2010/main" xmlns="" w="9525">
                   <a:solidFill>
                     <a:srgbClr val="000000"/>
                   </a:solidFill>
@@ -1464,7 +1464,7 @@
             </a:ln>
             <a:extLst>
               <a:ext uri="{91240B29-F687-4f45-9708-019B960494DF}">
-                <a14:hiddenLine xmlns="" xmlns:a14="http://schemas.microsoft.com/office/drawing/2010/main" w="9525">
+                <a14:hiddenLine xmlns:a14="http://schemas.microsoft.com/office/drawing/2010/main" xmlns="" w="9525">
                   <a:solidFill>
                     <a:srgbClr val="000000"/>
                   </a:solidFill>
@@ -1526,7 +1526,7 @@
             </a:ln>
             <a:extLst>
               <a:ext uri="{91240B29-F687-4f45-9708-019B960494DF}">
-                <a14:hiddenLine xmlns="" xmlns:a14="http://schemas.microsoft.com/office/drawing/2010/main" w="9525">
+                <a14:hiddenLine xmlns:a14="http://schemas.microsoft.com/office/drawing/2010/main" xmlns="" w="9525">
                   <a:solidFill>
                     <a:srgbClr val="000000"/>
                   </a:solidFill>
@@ -1616,7 +1616,7 @@
             </a:ln>
             <a:extLst>
               <a:ext uri="{91240B29-F687-4f45-9708-019B960494DF}">
-                <a14:hiddenLine xmlns="" xmlns:a14="http://schemas.microsoft.com/office/drawing/2010/main" w="9525">
+                <a14:hiddenLine xmlns:a14="http://schemas.microsoft.com/office/drawing/2010/main" xmlns="" w="9525">
                   <a:solidFill>
                     <a:srgbClr val="000000"/>
                   </a:solidFill>
@@ -1706,7 +1706,7 @@
             </a:ln>
             <a:extLst>
               <a:ext uri="{91240B29-F687-4f45-9708-019B960494DF}">
-                <a14:hiddenLine xmlns="" xmlns:a14="http://schemas.microsoft.com/office/drawing/2010/main" w="9525">
+                <a14:hiddenLine xmlns:a14="http://schemas.microsoft.com/office/drawing/2010/main" xmlns="" w="9525">
                   <a:solidFill>
                     <a:srgbClr val="000000"/>
                   </a:solidFill>
@@ -1762,7 +1762,7 @@
             </a:ln>
             <a:extLst>
               <a:ext uri="{91240B29-F687-4f45-9708-019B960494DF}">
-                <a14:hiddenLine xmlns="" xmlns:a14="http://schemas.microsoft.com/office/drawing/2010/main" w="9525">
+                <a14:hiddenLine xmlns:a14="http://schemas.microsoft.com/office/drawing/2010/main" xmlns="" w="9525">
                   <a:solidFill>
                     <a:srgbClr val="000000"/>
                   </a:solidFill>
@@ -1852,7 +1852,7 @@
             </a:ln>
             <a:extLst>
               <a:ext uri="{91240B29-F687-4f45-9708-019B960494DF}">
-                <a14:hiddenLine xmlns="" xmlns:a14="http://schemas.microsoft.com/office/drawing/2010/main" w="9525">
+                <a14:hiddenLine xmlns:a14="http://schemas.microsoft.com/office/drawing/2010/main" xmlns="" w="9525">
                   <a:solidFill>
                     <a:srgbClr val="000000"/>
                   </a:solidFill>
@@ -1908,7 +1908,7 @@
             </a:ln>
             <a:extLst>
               <a:ext uri="{91240B29-F687-4f45-9708-019B960494DF}">
-                <a14:hiddenLine xmlns="" xmlns:a14="http://schemas.microsoft.com/office/drawing/2010/main" w="9525">
+                <a14:hiddenLine xmlns:a14="http://schemas.microsoft.com/office/drawing/2010/main" xmlns="" w="9525">
                   <a:solidFill>
                     <a:srgbClr val="000000"/>
                   </a:solidFill>
@@ -1998,7 +1998,7 @@
             </a:ln>
             <a:extLst>
               <a:ext uri="{91240B29-F687-4f45-9708-019B960494DF}">
-                <a14:hiddenLine xmlns="" xmlns:a14="http://schemas.microsoft.com/office/drawing/2010/main" w="9525">
+                <a14:hiddenLine xmlns:a14="http://schemas.microsoft.com/office/drawing/2010/main" xmlns="" w="9525">
                   <a:solidFill>
                     <a:srgbClr val="000000"/>
                   </a:solidFill>
@@ -2066,7 +2066,7 @@
             </a:ln>
             <a:extLst>
               <a:ext uri="{91240B29-F687-4f45-9708-019B960494DF}">
-                <a14:hiddenLine xmlns="" xmlns:a14="http://schemas.microsoft.com/office/drawing/2010/main" w="9525">
+                <a14:hiddenLine xmlns:a14="http://schemas.microsoft.com/office/drawing/2010/main" xmlns="" w="9525">
                   <a:solidFill>
                     <a:srgbClr val="000000"/>
                   </a:solidFill>
@@ -2156,7 +2156,7 @@
             </a:ln>
             <a:extLst>
               <a:ext uri="{91240B29-F687-4f45-9708-019B960494DF}">
-                <a14:hiddenLine xmlns="" xmlns:a14="http://schemas.microsoft.com/office/drawing/2010/main" w="9525">
+                <a14:hiddenLine xmlns:a14="http://schemas.microsoft.com/office/drawing/2010/main" xmlns="" w="9525">
                   <a:solidFill>
                     <a:srgbClr val="000000"/>
                   </a:solidFill>
@@ -2224,7 +2224,7 @@
             </a:ln>
             <a:extLst>
               <a:ext uri="{91240B29-F687-4f45-9708-019B960494DF}">
-                <a14:hiddenLine xmlns="" xmlns:a14="http://schemas.microsoft.com/office/drawing/2010/main" w="9525">
+                <a14:hiddenLine xmlns:a14="http://schemas.microsoft.com/office/drawing/2010/main" xmlns="" w="9525">
                   <a:solidFill>
                     <a:srgbClr val="000000"/>
                   </a:solidFill>
@@ -2314,7 +2314,7 @@
             </a:ln>
             <a:extLst>
               <a:ext uri="{91240B29-F687-4f45-9708-019B960494DF}">
-                <a14:hiddenLine xmlns="" xmlns:a14="http://schemas.microsoft.com/office/drawing/2010/main" w="9525">
+                <a14:hiddenLine xmlns:a14="http://schemas.microsoft.com/office/drawing/2010/main" xmlns="" w="9525">
                   <a:solidFill>
                     <a:srgbClr val="000000"/>
                   </a:solidFill>
@@ -2348,7 +2348,7 @@
             </a:ln>
             <a:extLst>
               <a:ext uri="{91240B29-F687-4f45-9708-019B960494DF}">
-                <a14:hiddenLine xmlns="" xmlns:a14="http://schemas.microsoft.com/office/drawing/2010/main" w="9525">
+                <a14:hiddenLine xmlns:a14="http://schemas.microsoft.com/office/drawing/2010/main" xmlns="" w="9525">
                   <a:solidFill>
                     <a:srgbClr val="000000"/>
                   </a:solidFill>
@@ -2438,7 +2438,7 @@
             </a:ln>
             <a:extLst>
               <a:ext uri="{91240B29-F687-4f45-9708-019B960494DF}">
-                <a14:hiddenLine xmlns="" xmlns:a14="http://schemas.microsoft.com/office/drawing/2010/main" w="9525">
+                <a14:hiddenLine xmlns:a14="http://schemas.microsoft.com/office/drawing/2010/main" xmlns="" w="9525">
                   <a:solidFill>
                     <a:srgbClr val="000000"/>
                   </a:solidFill>
@@ -2500,7 +2500,7 @@
             </a:ln>
             <a:extLst>
               <a:ext uri="{91240B29-F687-4f45-9708-019B960494DF}">
-                <a14:hiddenLine xmlns="" xmlns:a14="http://schemas.microsoft.com/office/drawing/2010/main" w="9525">
+                <a14:hiddenLine xmlns:a14="http://schemas.microsoft.com/office/drawing/2010/main" xmlns="" w="9525">
                   <a:solidFill>
                     <a:srgbClr val="000000"/>
                   </a:solidFill>
@@ -2562,7 +2562,7 @@
             </a:ln>
             <a:extLst>
               <a:ext uri="{91240B29-F687-4f45-9708-019B960494DF}">
-                <a14:hiddenLine xmlns="" xmlns:a14="http://schemas.microsoft.com/office/drawing/2010/main" w="9525">
+                <a14:hiddenLine xmlns:a14="http://schemas.microsoft.com/office/drawing/2010/main" xmlns="" w="9525">
                   <a:solidFill>
                     <a:srgbClr val="000000"/>
                   </a:solidFill>
@@ -2652,7 +2652,7 @@
             </a:ln>
             <a:extLst>
               <a:ext uri="{91240B29-F687-4f45-9708-019B960494DF}">
-                <a14:hiddenLine xmlns="" xmlns:a14="http://schemas.microsoft.com/office/drawing/2010/main" w="9525">
+                <a14:hiddenLine xmlns:a14="http://schemas.microsoft.com/office/drawing/2010/main" xmlns="" w="9525">
                   <a:solidFill>
                     <a:srgbClr val="000000"/>
                   </a:solidFill>
@@ -2720,7 +2720,7 @@
             </a:ln>
             <a:extLst>
               <a:ext uri="{91240B29-F687-4f45-9708-019B960494DF}">
-                <a14:hiddenLine xmlns="" xmlns:a14="http://schemas.microsoft.com/office/drawing/2010/main" w="9525">
+                <a14:hiddenLine xmlns:a14="http://schemas.microsoft.com/office/drawing/2010/main" xmlns="" w="9525">
                   <a:solidFill>
                     <a:srgbClr val="000000"/>
                   </a:solidFill>
@@ -2782,7 +2782,7 @@
             </a:ln>
             <a:extLst>
               <a:ext uri="{91240B29-F687-4f45-9708-019B960494DF}">
-                <a14:hiddenLine xmlns="" xmlns:a14="http://schemas.microsoft.com/office/drawing/2010/main" w="9525">
+                <a14:hiddenLine xmlns:a14="http://schemas.microsoft.com/office/drawing/2010/main" xmlns="" w="9525">
                   <a:solidFill>
                     <a:srgbClr val="000000"/>
                   </a:solidFill>
@@ -2872,7 +2872,7 @@
             </a:ln>
             <a:extLst>
               <a:ext uri="{91240B29-F687-4f45-9708-019B960494DF}">
-                <a14:hiddenLine xmlns="" xmlns:a14="http://schemas.microsoft.com/office/drawing/2010/main" w="9525">
+                <a14:hiddenLine xmlns:a14="http://schemas.microsoft.com/office/drawing/2010/main" xmlns="" w="9525">
                   <a:solidFill>
                     <a:srgbClr val="000000"/>
                   </a:solidFill>
@@ -2934,7 +2934,7 @@
             </a:ln>
             <a:extLst>
               <a:ext uri="{91240B29-F687-4f45-9708-019B960494DF}">
-                <a14:hiddenLine xmlns="" xmlns:a14="http://schemas.microsoft.com/office/drawing/2010/main" w="9525">
+                <a14:hiddenLine xmlns:a14="http://schemas.microsoft.com/office/drawing/2010/main" xmlns="" w="9525">
                   <a:solidFill>
                     <a:srgbClr val="000000"/>
                   </a:solidFill>
@@ -3024,7 +3024,7 @@
             </a:ln>
             <a:extLst>
               <a:ext uri="{91240B29-F687-4f45-9708-019B960494DF}">
-                <a14:hiddenLine xmlns="" xmlns:a14="http://schemas.microsoft.com/office/drawing/2010/main" w="9525">
+                <a14:hiddenLine xmlns:a14="http://schemas.microsoft.com/office/drawing/2010/main" xmlns="" w="9525">
                   <a:solidFill>
                     <a:srgbClr val="000000"/>
                   </a:solidFill>
@@ -3086,7 +3086,7 @@
             </a:ln>
             <a:extLst>
               <a:ext uri="{91240B29-F687-4f45-9708-019B960494DF}">
-                <a14:hiddenLine xmlns="" xmlns:a14="http://schemas.microsoft.com/office/drawing/2010/main" w="9525">
+                <a14:hiddenLine xmlns:a14="http://schemas.microsoft.com/office/drawing/2010/main" xmlns="" w="9525">
                   <a:solidFill>
                     <a:srgbClr val="000000"/>
                   </a:solidFill>
@@ -3176,7 +3176,7 @@
             </a:ln>
             <a:extLst>
               <a:ext uri="{91240B29-F687-4f45-9708-019B960494DF}">
-                <a14:hiddenLine xmlns="" xmlns:a14="http://schemas.microsoft.com/office/drawing/2010/main" w="9525">
+                <a14:hiddenLine xmlns:a14="http://schemas.microsoft.com/office/drawing/2010/main" xmlns="" w="9525">
                   <a:solidFill>
                     <a:srgbClr val="000000"/>
                   </a:solidFill>
@@ -3210,7 +3210,7 @@
             </a:ln>
             <a:extLst>
               <a:ext uri="{91240B29-F687-4f45-9708-019B960494DF}">
-                <a14:hiddenLine xmlns="" xmlns:a14="http://schemas.microsoft.com/office/drawing/2010/main" w="9525">
+                <a14:hiddenLine xmlns:a14="http://schemas.microsoft.com/office/drawing/2010/main" xmlns="" w="9525">
                   <a:solidFill>
                     <a:srgbClr val="000000"/>
                   </a:solidFill>
@@ -3275,7 +3275,7 @@
             </a:ln>
             <a:extLst>
               <a:ext uri="{91240B29-F687-4f45-9708-019B960494DF}">
-                <a14:hiddenLine xmlns="" xmlns:a14="http://schemas.microsoft.com/office/drawing/2010/main" w="9525">
+                <a14:hiddenLine xmlns:a14="http://schemas.microsoft.com/office/drawing/2010/main" xmlns="" w="9525">
                   <a:solidFill>
                     <a:srgbClr val="000000"/>
                   </a:solidFill>
@@ -3365,7 +3365,7 @@
             </a:ln>
             <a:extLst>
               <a:ext uri="{91240B29-F687-4f45-9708-019B960494DF}">
-                <a14:hiddenLine xmlns="" xmlns:a14="http://schemas.microsoft.com/office/drawing/2010/main" w="9525">
+                <a14:hiddenLine xmlns:a14="http://schemas.microsoft.com/office/drawing/2010/main" xmlns="" w="9525">
                   <a:solidFill>
                     <a:srgbClr val="000000"/>
                   </a:solidFill>
@@ -3427,7 +3427,7 @@
             </a:ln>
             <a:extLst>
               <a:ext uri="{91240B29-F687-4f45-9708-019B960494DF}">
-                <a14:hiddenLine xmlns="" xmlns:a14="http://schemas.microsoft.com/office/drawing/2010/main" w="9525">
+                <a14:hiddenLine xmlns:a14="http://schemas.microsoft.com/office/drawing/2010/main" xmlns="" w="9525">
                   <a:solidFill>
                     <a:srgbClr val="000000"/>
                   </a:solidFill>
@@ -3517,7 +3517,7 @@
             </a:ln>
             <a:extLst>
               <a:ext uri="{91240B29-F687-4f45-9708-019B960494DF}">
-                <a14:hiddenLine xmlns="" xmlns:a14="http://schemas.microsoft.com/office/drawing/2010/main" w="9525">
+                <a14:hiddenLine xmlns:a14="http://schemas.microsoft.com/office/drawing/2010/main" xmlns="" w="9525">
                   <a:solidFill>
                     <a:srgbClr val="000000"/>
                   </a:solidFill>
@@ -3607,7 +3607,7 @@
             </a:ln>
             <a:extLst>
               <a:ext uri="{91240B29-F687-4f45-9708-019B960494DF}">
-                <a14:hiddenLine xmlns="" xmlns:a14="http://schemas.microsoft.com/office/drawing/2010/main" w="9525">
+                <a14:hiddenLine xmlns:a14="http://schemas.microsoft.com/office/drawing/2010/main" xmlns="" w="9525">
                   <a:solidFill>
                     <a:srgbClr val="000000"/>
                   </a:solidFill>
@@ -3672,7 +3672,7 @@
             </a:ln>
             <a:extLst>
               <a:ext uri="{91240B29-F687-4f45-9708-019B960494DF}">
-                <a14:hiddenLine xmlns="" xmlns:a14="http://schemas.microsoft.com/office/drawing/2010/main" w="9525">
+                <a14:hiddenLine xmlns:a14="http://schemas.microsoft.com/office/drawing/2010/main" xmlns="" w="9525">
                   <a:solidFill>
                     <a:srgbClr val="000000"/>
                   </a:solidFill>
@@ -3734,7 +3734,7 @@
             </a:ln>
             <a:extLst>
               <a:ext uri="{91240B29-F687-4f45-9708-019B960494DF}">
-                <a14:hiddenLine xmlns="" xmlns:a14="http://schemas.microsoft.com/office/drawing/2010/main" w="9525">
+                <a14:hiddenLine xmlns:a14="http://schemas.microsoft.com/office/drawing/2010/main" xmlns="" w="9525">
                   <a:solidFill>
                     <a:srgbClr val="000000"/>
                   </a:solidFill>
@@ -3824,7 +3824,7 @@
             </a:ln>
             <a:extLst>
               <a:ext uri="{91240B29-F687-4f45-9708-019B960494DF}">
-                <a14:hiddenLine xmlns="" xmlns:a14="http://schemas.microsoft.com/office/drawing/2010/main" w="9525">
+                <a14:hiddenLine xmlns:a14="http://schemas.microsoft.com/office/drawing/2010/main" xmlns="" w="9525">
                   <a:solidFill>
                     <a:srgbClr val="000000"/>
                   </a:solidFill>
@@ -3914,7 +3914,7 @@
             </a:ln>
             <a:extLst>
               <a:ext uri="{91240B29-F687-4f45-9708-019B960494DF}">
-                <a14:hiddenLine xmlns="" xmlns:a14="http://schemas.microsoft.com/office/drawing/2010/main" w="9525">
+                <a14:hiddenLine xmlns:a14="http://schemas.microsoft.com/office/drawing/2010/main" xmlns="" w="9525">
                   <a:solidFill>
                     <a:srgbClr val="000000"/>
                   </a:solidFill>
@@ -3976,7 +3976,7 @@
             </a:ln>
             <a:extLst>
               <a:ext uri="{91240B29-F687-4f45-9708-019B960494DF}">
-                <a14:hiddenLine xmlns="" xmlns:a14="http://schemas.microsoft.com/office/drawing/2010/main" w="9525">
+                <a14:hiddenLine xmlns:a14="http://schemas.microsoft.com/office/drawing/2010/main" xmlns="" w="9525">
                   <a:solidFill>
                     <a:srgbClr val="000000"/>
                   </a:solidFill>
@@ -4096,7 +4096,7 @@
             </a:ln>
             <a:extLst>
               <a:ext uri="{91240B29-F687-4f45-9708-019B960494DF}">
-                <a14:hiddenLine xmlns="" xmlns:a14="http://schemas.microsoft.com/office/drawing/2010/main" w="9525">
+                <a14:hiddenLine xmlns:a14="http://schemas.microsoft.com/office/drawing/2010/main" xmlns="" w="9525">
                   <a:solidFill>
                     <a:srgbClr val="000000"/>
                   </a:solidFill>
@@ -4164,7 +4164,7 @@
             </a:ln>
             <a:extLst>
               <a:ext uri="{91240B29-F687-4f45-9708-019B960494DF}">
-                <a14:hiddenLine xmlns="" xmlns:a14="http://schemas.microsoft.com/office/drawing/2010/main" w="9525">
+                <a14:hiddenLine xmlns:a14="http://schemas.microsoft.com/office/drawing/2010/main" xmlns="" w="9525">
                   <a:solidFill>
                     <a:srgbClr val="000000"/>
                   </a:solidFill>
@@ -4254,7 +4254,7 @@
             </a:ln>
             <a:extLst>
               <a:ext uri="{91240B29-F687-4f45-9708-019B960494DF}">
-                <a14:hiddenLine xmlns="" xmlns:a14="http://schemas.microsoft.com/office/drawing/2010/main" w="9525">
+                <a14:hiddenLine xmlns:a14="http://schemas.microsoft.com/office/drawing/2010/main" xmlns="" w="9525">
                   <a:solidFill>
                     <a:srgbClr val="000000"/>
                   </a:solidFill>
@@ -4294,7 +4294,7 @@
           </a:lstStyle>
           <a:p>
             <a:r>
-              <a:rPr lang="hu-HU" smtClean="0"/>
+              <a:rPr lang="hu-HU"/>
               <a:t>Mintacím szerkesztése</a:t>
             </a:r>
             <a:endParaRPr lang="en-US" dirty="0"/>
@@ -4365,7 +4365,7 @@
           </a:lstStyle>
           <a:p>
             <a:r>
-              <a:rPr lang="hu-HU" smtClean="0"/>
+              <a:rPr lang="hu-HU"/>
               <a:t>Kattintson ide az alcím mintájának szerkesztéséhez</a:t>
             </a:r>
             <a:endParaRPr lang="en-US" dirty="0"/>
@@ -4394,7 +4394,7 @@
           <a:p>
             <a:fld id="{AAD90C11-F47D-4963-8CF6-8C1BA30685B6}" type="datetimeFigureOut">
               <a:rPr lang="hu-HU" smtClean="0"/>
-              <a:t>2024. 01. 09.</a:t>
+              <a:t>2024. 04. 09.</a:t>
             </a:fld>
             <a:endParaRPr lang="hu-HU"/>
           </a:p>
@@ -4509,7 +4509,7 @@
           </a:lstStyle>
           <a:p>
             <a:r>
-              <a:rPr lang="hu-HU" smtClean="0"/>
+              <a:rPr lang="hu-HU"/>
               <a:t>Mintacím szerkesztése</a:t>
             </a:r>
             <a:endParaRPr lang="en-US" dirty="0"/>
@@ -4570,7 +4570,7 @@
               <a:buNone/>
             </a:pPr>
             <a:r>
-              <a:rPr lang="hu-HU" smtClean="0"/>
+              <a:rPr lang="hu-HU"/>
               <a:t>Kép beszúrásához kattintson az ikonra</a:t>
             </a:r>
             <a:endParaRPr lang="en-US" dirty="0"/>
@@ -4638,7 +4638,7 @@
           <a:p>
             <a:pPr lvl="0"/>
             <a:r>
-              <a:rPr lang="hu-HU" smtClean="0"/>
+              <a:rPr lang="hu-HU"/>
               <a:t>Mintaszöveg szerkesztése</a:t>
             </a:r>
           </a:p>
@@ -4661,7 +4661,7 @@
           <a:p>
             <a:fld id="{AAD90C11-F47D-4963-8CF6-8C1BA30685B6}" type="datetimeFigureOut">
               <a:rPr lang="hu-HU" smtClean="0"/>
-              <a:t>2024. 01. 09.</a:t>
+              <a:t>2024. 04. 09.</a:t>
             </a:fld>
             <a:endParaRPr lang="hu-HU"/>
           </a:p>
@@ -4766,7 +4766,7 @@
           </a:lstStyle>
           <a:p>
             <a:r>
-              <a:rPr lang="hu-HU" smtClean="0"/>
+              <a:rPr lang="hu-HU"/>
               <a:t>Mintacím szerkesztése</a:t>
             </a:r>
             <a:endParaRPr lang="en-US" dirty="0"/>
@@ -4834,7 +4834,7 @@
           <a:p>
             <a:pPr lvl="0"/>
             <a:r>
-              <a:rPr lang="hu-HU" smtClean="0"/>
+              <a:rPr lang="hu-HU"/>
               <a:t>Mintaszöveg szerkesztése</a:t>
             </a:r>
           </a:p>
@@ -4857,7 +4857,7 @@
           <a:p>
             <a:fld id="{AAD90C11-F47D-4963-8CF6-8C1BA30685B6}" type="datetimeFigureOut">
               <a:rPr lang="hu-HU" smtClean="0"/>
-              <a:t>2024. 01. 09.</a:t>
+              <a:t>2024. 04. 09.</a:t>
             </a:fld>
             <a:endParaRPr lang="hu-HU"/>
           </a:p>
@@ -4962,7 +4962,7 @@
           </a:lstStyle>
           <a:p>
             <a:r>
-              <a:rPr lang="hu-HU" smtClean="0"/>
+              <a:rPr lang="hu-HU"/>
               <a:t>Mintacím szerkesztése</a:t>
             </a:r>
             <a:endParaRPr lang="en-US" dirty="0"/>
@@ -5030,7 +5030,7 @@
           <a:p>
             <a:pPr lvl="0"/>
             <a:r>
-              <a:rPr lang="hu-HU" smtClean="0"/>
+              <a:rPr lang="hu-HU"/>
               <a:t>Mintaszöveg szerkesztése</a:t>
             </a:r>
           </a:p>
@@ -5097,7 +5097,7 @@
           <a:p>
             <a:pPr lvl="0"/>
             <a:r>
-              <a:rPr lang="hu-HU" smtClean="0"/>
+              <a:rPr lang="hu-HU"/>
               <a:t>Mintaszöveg szerkesztése</a:t>
             </a:r>
           </a:p>
@@ -5120,7 +5120,7 @@
           <a:p>
             <a:fld id="{AAD90C11-F47D-4963-8CF6-8C1BA30685B6}" type="datetimeFigureOut">
               <a:rPr lang="hu-HU" smtClean="0"/>
-              <a:t>2024. 01. 09.</a:t>
+              <a:t>2024. 04. 09.</a:t>
             </a:fld>
             <a:endParaRPr lang="hu-HU"/>
           </a:p>
@@ -5463,7 +5463,7 @@
           </a:lstStyle>
           <a:p>
             <a:r>
-              <a:rPr lang="hu-HU" smtClean="0"/>
+              <a:rPr lang="hu-HU"/>
               <a:t>Mintacím szerkesztése</a:t>
             </a:r>
             <a:endParaRPr lang="en-US" dirty="0"/>
@@ -5531,7 +5531,7 @@
           <a:p>
             <a:pPr lvl="0"/>
             <a:r>
-              <a:rPr lang="hu-HU" smtClean="0"/>
+              <a:rPr lang="hu-HU"/>
               <a:t>Mintaszöveg szerkesztése</a:t>
             </a:r>
           </a:p>
@@ -5554,7 +5554,7 @@
           <a:p>
             <a:fld id="{AAD90C11-F47D-4963-8CF6-8C1BA30685B6}" type="datetimeFigureOut">
               <a:rPr lang="hu-HU" smtClean="0"/>
-              <a:t>2024. 01. 09.</a:t>
+              <a:t>2024. 04. 09.</a:t>
             </a:fld>
             <a:endParaRPr lang="hu-HU"/>
           </a:p>
@@ -5653,7 +5653,7 @@
           <a:lstStyle/>
           <a:p>
             <a:r>
-              <a:rPr lang="hu-HU" smtClean="0"/>
+              <a:rPr lang="hu-HU"/>
               <a:t>Mintacím szerkesztése</a:t>
             </a:r>
             <a:endParaRPr lang="en-US" dirty="0"/>
@@ -5728,7 +5728,7 @@
           <a:p>
             <a:pPr lvl="0"/>
             <a:r>
-              <a:rPr lang="hu-HU" smtClean="0"/>
+              <a:rPr lang="hu-HU"/>
               <a:t>Mintaszöveg szerkesztése</a:t>
             </a:r>
           </a:p>
@@ -5795,7 +5795,7 @@
           <a:p>
             <a:pPr lvl="0"/>
             <a:r>
-              <a:rPr lang="hu-HU" smtClean="0"/>
+              <a:rPr lang="hu-HU"/>
               <a:t>Mintaszöveg szerkesztése</a:t>
             </a:r>
           </a:p>
@@ -5869,7 +5869,7 @@
           <a:p>
             <a:pPr lvl="0"/>
             <a:r>
-              <a:rPr lang="hu-HU" smtClean="0"/>
+              <a:rPr lang="hu-HU"/>
               <a:t>Mintaszöveg szerkesztése</a:t>
             </a:r>
           </a:p>
@@ -5936,7 +5936,7 @@
           <a:p>
             <a:pPr lvl="0"/>
             <a:r>
-              <a:rPr lang="hu-HU" smtClean="0"/>
+              <a:rPr lang="hu-HU"/>
               <a:t>Mintaszöveg szerkesztése</a:t>
             </a:r>
           </a:p>
@@ -6010,7 +6010,7 @@
           <a:p>
             <a:pPr lvl="0"/>
             <a:r>
-              <a:rPr lang="hu-HU" smtClean="0"/>
+              <a:rPr lang="hu-HU"/>
               <a:t>Mintaszöveg szerkesztése</a:t>
             </a:r>
           </a:p>
@@ -6077,7 +6077,7 @@
           <a:p>
             <a:pPr lvl="0"/>
             <a:r>
-              <a:rPr lang="hu-HU" smtClean="0"/>
+              <a:rPr lang="hu-HU"/>
               <a:t>Mintaszöveg szerkesztése</a:t>
             </a:r>
           </a:p>
@@ -6100,7 +6100,7 @@
           <a:p>
             <a:fld id="{AAD90C11-F47D-4963-8CF6-8C1BA30685B6}" type="datetimeFigureOut">
               <a:rPr lang="hu-HU" smtClean="0"/>
-              <a:t>2024. 01. 09.</a:t>
+              <a:t>2024. 04. 09.</a:t>
             </a:fld>
             <a:endParaRPr lang="hu-HU"/>
           </a:p>
@@ -6199,7 +6199,7 @@
           <a:lstStyle/>
           <a:p>
             <a:r>
-              <a:rPr lang="hu-HU" smtClean="0"/>
+              <a:rPr lang="hu-HU"/>
               <a:t>Mintacím szerkesztése</a:t>
             </a:r>
             <a:endParaRPr lang="en-US" dirty="0"/>
@@ -6274,7 +6274,7 @@
           <a:p>
             <a:pPr lvl="0"/>
             <a:r>
-              <a:rPr lang="hu-HU" smtClean="0"/>
+              <a:rPr lang="hu-HU"/>
               <a:t>Mintaszöveg szerkesztése</a:t>
             </a:r>
           </a:p>
@@ -6331,7 +6331,7 @@
               <a:buNone/>
             </a:pPr>
             <a:r>
-              <a:rPr lang="hu-HU" smtClean="0"/>
+              <a:rPr lang="hu-HU"/>
               <a:t>Kép beszúrásához kattintson az ikonra</a:t>
             </a:r>
             <a:endParaRPr lang="en-US" dirty="0"/>
@@ -6399,7 +6399,7 @@
           <a:p>
             <a:pPr lvl="0"/>
             <a:r>
-              <a:rPr lang="hu-HU" smtClean="0"/>
+              <a:rPr lang="hu-HU"/>
               <a:t>Mintaszöveg szerkesztése</a:t>
             </a:r>
           </a:p>
@@ -6473,7 +6473,7 @@
           <a:p>
             <a:pPr lvl="0"/>
             <a:r>
-              <a:rPr lang="hu-HU" smtClean="0"/>
+              <a:rPr lang="hu-HU"/>
               <a:t>Mintaszöveg szerkesztése</a:t>
             </a:r>
           </a:p>
@@ -6530,7 +6530,7 @@
               <a:buNone/>
             </a:pPr>
             <a:r>
-              <a:rPr lang="hu-HU" smtClean="0"/>
+              <a:rPr lang="hu-HU"/>
               <a:t>Kép beszúrásához kattintson az ikonra</a:t>
             </a:r>
             <a:endParaRPr lang="en-US" dirty="0"/>
@@ -6598,7 +6598,7 @@
           <a:p>
             <a:pPr lvl="0"/>
             <a:r>
-              <a:rPr lang="hu-HU" smtClean="0"/>
+              <a:rPr lang="hu-HU"/>
               <a:t>Mintaszöveg szerkesztése</a:t>
             </a:r>
           </a:p>
@@ -6672,7 +6672,7 @@
           <a:p>
             <a:pPr lvl="0"/>
             <a:r>
-              <a:rPr lang="hu-HU" smtClean="0"/>
+              <a:rPr lang="hu-HU"/>
               <a:t>Mintaszöveg szerkesztése</a:t>
             </a:r>
           </a:p>
@@ -6729,7 +6729,7 @@
               <a:buNone/>
             </a:pPr>
             <a:r>
-              <a:rPr lang="hu-HU" smtClean="0"/>
+              <a:rPr lang="hu-HU"/>
               <a:t>Kép beszúrásához kattintson az ikonra</a:t>
             </a:r>
             <a:endParaRPr lang="en-US" dirty="0"/>
@@ -6797,7 +6797,7 @@
           <a:p>
             <a:pPr lvl="0"/>
             <a:r>
-              <a:rPr lang="hu-HU" smtClean="0"/>
+              <a:rPr lang="hu-HU"/>
               <a:t>Mintaszöveg szerkesztése</a:t>
             </a:r>
           </a:p>
@@ -6820,7 +6820,7 @@
           <a:p>
             <a:fld id="{AAD90C11-F47D-4963-8CF6-8C1BA30685B6}" type="datetimeFigureOut">
               <a:rPr lang="hu-HU" smtClean="0"/>
-              <a:t>2024. 01. 09.</a:t>
+              <a:t>2024. 04. 09.</a:t>
             </a:fld>
             <a:endParaRPr lang="hu-HU"/>
           </a:p>
@@ -6914,7 +6914,7 @@
           <a:lstStyle/>
           <a:p>
             <a:r>
-              <a:rPr lang="hu-HU" smtClean="0"/>
+              <a:rPr lang="hu-HU"/>
               <a:t>Mintacím szerkesztése</a:t>
             </a:r>
             <a:endParaRPr lang="en-US" dirty="0"/>
@@ -6938,35 +6938,35 @@
           <a:p>
             <a:pPr lvl="0"/>
             <a:r>
-              <a:rPr lang="hu-HU" smtClean="0"/>
+              <a:rPr lang="hu-HU"/>
               <a:t>Mintaszöveg szerkesztése</a:t>
             </a:r>
           </a:p>
           <a:p>
             <a:pPr lvl="1"/>
             <a:r>
-              <a:rPr lang="hu-HU" smtClean="0"/>
+              <a:rPr lang="hu-HU"/>
               <a:t>Második szint</a:t>
             </a:r>
           </a:p>
           <a:p>
             <a:pPr lvl="2"/>
             <a:r>
-              <a:rPr lang="hu-HU" smtClean="0"/>
+              <a:rPr lang="hu-HU"/>
               <a:t>Harmadik szint</a:t>
             </a:r>
           </a:p>
           <a:p>
             <a:pPr lvl="3"/>
             <a:r>
-              <a:rPr lang="hu-HU" smtClean="0"/>
+              <a:rPr lang="hu-HU"/>
               <a:t>Negyedik szint</a:t>
             </a:r>
           </a:p>
           <a:p>
             <a:pPr lvl="4"/>
             <a:r>
-              <a:rPr lang="hu-HU" smtClean="0"/>
+              <a:rPr lang="hu-HU"/>
               <a:t>Ötödik szint</a:t>
             </a:r>
             <a:endParaRPr lang="en-US" dirty="0"/>
@@ -6990,7 +6990,7 @@
           <a:p>
             <a:fld id="{AAD90C11-F47D-4963-8CF6-8C1BA30685B6}" type="datetimeFigureOut">
               <a:rPr lang="hu-HU" smtClean="0"/>
-              <a:t>2024. 01. 09.</a:t>
+              <a:t>2024. 04. 09.</a:t>
             </a:fld>
             <a:endParaRPr lang="hu-HU"/>
           </a:p>
@@ -7089,7 +7089,7 @@
           <a:lstStyle/>
           <a:p>
             <a:r>
-              <a:rPr lang="hu-HU" smtClean="0"/>
+              <a:rPr lang="hu-HU"/>
               <a:t>Mintacím szerkesztése</a:t>
             </a:r>
             <a:endParaRPr lang="en-US" dirty="0"/>
@@ -7118,35 +7118,35 @@
           <a:p>
             <a:pPr lvl="0"/>
             <a:r>
-              <a:rPr lang="hu-HU" smtClean="0"/>
+              <a:rPr lang="hu-HU"/>
               <a:t>Mintaszöveg szerkesztése</a:t>
             </a:r>
           </a:p>
           <a:p>
             <a:pPr lvl="1"/>
             <a:r>
-              <a:rPr lang="hu-HU" smtClean="0"/>
+              <a:rPr lang="hu-HU"/>
               <a:t>Második szint</a:t>
             </a:r>
           </a:p>
           <a:p>
             <a:pPr lvl="2"/>
             <a:r>
-              <a:rPr lang="hu-HU" smtClean="0"/>
+              <a:rPr lang="hu-HU"/>
               <a:t>Harmadik szint</a:t>
             </a:r>
           </a:p>
           <a:p>
             <a:pPr lvl="3"/>
             <a:r>
-              <a:rPr lang="hu-HU" smtClean="0"/>
+              <a:rPr lang="hu-HU"/>
               <a:t>Negyedik szint</a:t>
             </a:r>
           </a:p>
           <a:p>
             <a:pPr lvl="4"/>
             <a:r>
-              <a:rPr lang="hu-HU" smtClean="0"/>
+              <a:rPr lang="hu-HU"/>
               <a:t>Ötödik szint</a:t>
             </a:r>
             <a:endParaRPr lang="en-US" dirty="0"/>
@@ -7170,7 +7170,7 @@
           <a:p>
             <a:fld id="{AAD90C11-F47D-4963-8CF6-8C1BA30685B6}" type="datetimeFigureOut">
               <a:rPr lang="hu-HU" smtClean="0"/>
-              <a:t>2024. 01. 09.</a:t>
+              <a:t>2024. 04. 09.</a:t>
             </a:fld>
             <a:endParaRPr lang="hu-HU"/>
           </a:p>
@@ -7264,7 +7264,7 @@
           <a:lstStyle/>
           <a:p>
             <a:r>
-              <a:rPr lang="hu-HU" smtClean="0"/>
+              <a:rPr lang="hu-HU"/>
               <a:t>Mintacím szerkesztése</a:t>
             </a:r>
             <a:endParaRPr lang="en-US" dirty="0"/>
@@ -7288,35 +7288,35 @@
           <a:p>
             <a:pPr lvl="0"/>
             <a:r>
-              <a:rPr lang="hu-HU" smtClean="0"/>
+              <a:rPr lang="hu-HU"/>
               <a:t>Mintaszöveg szerkesztése</a:t>
             </a:r>
           </a:p>
           <a:p>
             <a:pPr lvl="1"/>
             <a:r>
-              <a:rPr lang="hu-HU" smtClean="0"/>
+              <a:rPr lang="hu-HU"/>
               <a:t>Második szint</a:t>
             </a:r>
           </a:p>
           <a:p>
             <a:pPr lvl="2"/>
             <a:r>
-              <a:rPr lang="hu-HU" smtClean="0"/>
+              <a:rPr lang="hu-HU"/>
               <a:t>Harmadik szint</a:t>
             </a:r>
           </a:p>
           <a:p>
             <a:pPr lvl="3"/>
             <a:r>
-              <a:rPr lang="hu-HU" smtClean="0"/>
+              <a:rPr lang="hu-HU"/>
               <a:t>Negyedik szint</a:t>
             </a:r>
           </a:p>
           <a:p>
             <a:pPr lvl="4"/>
             <a:r>
-              <a:rPr lang="hu-HU" smtClean="0"/>
+              <a:rPr lang="hu-HU"/>
               <a:t>Ötödik szint</a:t>
             </a:r>
             <a:endParaRPr lang="en-US" dirty="0"/>
@@ -7340,7 +7340,7 @@
           <a:p>
             <a:fld id="{AAD90C11-F47D-4963-8CF6-8C1BA30685B6}" type="datetimeFigureOut">
               <a:rPr lang="hu-HU" smtClean="0"/>
-              <a:t>2024. 01. 09.</a:t>
+              <a:t>2024. 04. 09.</a:t>
             </a:fld>
             <a:endParaRPr lang="hu-HU"/>
           </a:p>
@@ -7445,7 +7445,7 @@
           </a:lstStyle>
           <a:p>
             <a:r>
-              <a:rPr lang="hu-HU" smtClean="0"/>
+              <a:rPr lang="hu-HU"/>
               <a:t>Mintacím szerkesztése</a:t>
             </a:r>
             <a:endParaRPr lang="en-US" dirty="0"/>
@@ -7567,7 +7567,7 @@
           <a:p>
             <a:pPr lvl="0"/>
             <a:r>
-              <a:rPr lang="hu-HU" smtClean="0"/>
+              <a:rPr lang="hu-HU"/>
               <a:t>Mintaszöveg szerkesztése</a:t>
             </a:r>
           </a:p>
@@ -7590,7 +7590,7 @@
           <a:p>
             <a:fld id="{AAD90C11-F47D-4963-8CF6-8C1BA30685B6}" type="datetimeFigureOut">
               <a:rPr lang="hu-HU" smtClean="0"/>
-              <a:t>2024. 01. 09.</a:t>
+              <a:t>2024. 04. 09.</a:t>
             </a:fld>
             <a:endParaRPr lang="hu-HU"/>
           </a:p>
@@ -7684,7 +7684,7 @@
           <a:lstStyle/>
           <a:p>
             <a:r>
-              <a:rPr lang="hu-HU" smtClean="0"/>
+              <a:rPr lang="hu-HU"/>
               <a:t>Mintacím szerkesztése</a:t>
             </a:r>
             <a:endParaRPr lang="en-US" dirty="0"/>
@@ -7713,35 +7713,35 @@
           <a:p>
             <a:pPr lvl="0"/>
             <a:r>
-              <a:rPr lang="hu-HU" smtClean="0"/>
+              <a:rPr lang="hu-HU"/>
               <a:t>Mintaszöveg szerkesztése</a:t>
             </a:r>
           </a:p>
           <a:p>
             <a:pPr lvl="1"/>
             <a:r>
-              <a:rPr lang="hu-HU" smtClean="0"/>
+              <a:rPr lang="hu-HU"/>
               <a:t>Második szint</a:t>
             </a:r>
           </a:p>
           <a:p>
             <a:pPr lvl="2"/>
             <a:r>
-              <a:rPr lang="hu-HU" smtClean="0"/>
+              <a:rPr lang="hu-HU"/>
               <a:t>Harmadik szint</a:t>
             </a:r>
           </a:p>
           <a:p>
             <a:pPr lvl="3"/>
             <a:r>
-              <a:rPr lang="hu-HU" smtClean="0"/>
+              <a:rPr lang="hu-HU"/>
               <a:t>Negyedik szint</a:t>
             </a:r>
           </a:p>
           <a:p>
             <a:pPr lvl="4"/>
             <a:r>
-              <a:rPr lang="hu-HU" smtClean="0"/>
+              <a:rPr lang="hu-HU"/>
               <a:t>Ötödik szint</a:t>
             </a:r>
             <a:endParaRPr lang="en-US" dirty="0"/>
@@ -7770,35 +7770,35 @@
           <a:p>
             <a:pPr lvl="0"/>
             <a:r>
-              <a:rPr lang="hu-HU" smtClean="0"/>
+              <a:rPr lang="hu-HU"/>
               <a:t>Mintaszöveg szerkesztése</a:t>
             </a:r>
           </a:p>
           <a:p>
             <a:pPr lvl="1"/>
             <a:r>
-              <a:rPr lang="hu-HU" smtClean="0"/>
+              <a:rPr lang="hu-HU"/>
               <a:t>Második szint</a:t>
             </a:r>
           </a:p>
           <a:p>
             <a:pPr lvl="2"/>
             <a:r>
-              <a:rPr lang="hu-HU" smtClean="0"/>
+              <a:rPr lang="hu-HU"/>
               <a:t>Harmadik szint</a:t>
             </a:r>
           </a:p>
           <a:p>
             <a:pPr lvl="3"/>
             <a:r>
-              <a:rPr lang="hu-HU" smtClean="0"/>
+              <a:rPr lang="hu-HU"/>
               <a:t>Negyedik szint</a:t>
             </a:r>
           </a:p>
           <a:p>
             <a:pPr lvl="4"/>
             <a:r>
-              <a:rPr lang="hu-HU" smtClean="0"/>
+              <a:rPr lang="hu-HU"/>
               <a:t>Ötödik szint</a:t>
             </a:r>
             <a:endParaRPr lang="en-US" dirty="0"/>
@@ -7822,7 +7822,7 @@
           <a:p>
             <a:fld id="{AAD90C11-F47D-4963-8CF6-8C1BA30685B6}" type="datetimeFigureOut">
               <a:rPr lang="hu-HU" smtClean="0"/>
-              <a:t>2024. 01. 09.</a:t>
+              <a:t>2024. 04. 09.</a:t>
             </a:fld>
             <a:endParaRPr lang="hu-HU"/>
           </a:p>
@@ -7921,7 +7921,7 @@
           <a:lstStyle/>
           <a:p>
             <a:r>
-              <a:rPr lang="hu-HU" smtClean="0"/>
+              <a:rPr lang="hu-HU"/>
               <a:t>Mintacím szerkesztése</a:t>
             </a:r>
             <a:endParaRPr lang="en-US" dirty="0"/>
@@ -7994,7 +7994,7 @@
           <a:p>
             <a:pPr lvl="0"/>
             <a:r>
-              <a:rPr lang="hu-HU" smtClean="0"/>
+              <a:rPr lang="hu-HU"/>
               <a:t>Mintaszöveg szerkesztése</a:t>
             </a:r>
           </a:p>
@@ -8022,35 +8022,35 @@
           <a:p>
             <a:pPr lvl="0"/>
             <a:r>
-              <a:rPr lang="hu-HU" smtClean="0"/>
+              <a:rPr lang="hu-HU"/>
               <a:t>Mintaszöveg szerkesztése</a:t>
             </a:r>
           </a:p>
           <a:p>
             <a:pPr lvl="1"/>
             <a:r>
-              <a:rPr lang="hu-HU" smtClean="0"/>
+              <a:rPr lang="hu-HU"/>
               <a:t>Második szint</a:t>
             </a:r>
           </a:p>
           <a:p>
             <a:pPr lvl="2"/>
             <a:r>
-              <a:rPr lang="hu-HU" smtClean="0"/>
+              <a:rPr lang="hu-HU"/>
               <a:t>Harmadik szint</a:t>
             </a:r>
           </a:p>
           <a:p>
             <a:pPr lvl="3"/>
             <a:r>
-              <a:rPr lang="hu-HU" smtClean="0"/>
+              <a:rPr lang="hu-HU"/>
               <a:t>Negyedik szint</a:t>
             </a:r>
           </a:p>
           <a:p>
             <a:pPr lvl="4"/>
             <a:r>
-              <a:rPr lang="hu-HU" smtClean="0"/>
+              <a:rPr lang="hu-HU"/>
               <a:t>Ötödik szint</a:t>
             </a:r>
             <a:endParaRPr lang="en-US" dirty="0"/>
@@ -8123,7 +8123,7 @@
           <a:p>
             <a:pPr lvl="0"/>
             <a:r>
-              <a:rPr lang="hu-HU" smtClean="0"/>
+              <a:rPr lang="hu-HU"/>
               <a:t>Mintaszöveg szerkesztése</a:t>
             </a:r>
           </a:p>
@@ -8151,35 +8151,35 @@
           <a:p>
             <a:pPr lvl="0"/>
             <a:r>
-              <a:rPr lang="hu-HU" smtClean="0"/>
+              <a:rPr lang="hu-HU"/>
               <a:t>Mintaszöveg szerkesztése</a:t>
             </a:r>
           </a:p>
           <a:p>
             <a:pPr lvl="1"/>
             <a:r>
-              <a:rPr lang="hu-HU" smtClean="0"/>
+              <a:rPr lang="hu-HU"/>
               <a:t>Második szint</a:t>
             </a:r>
           </a:p>
           <a:p>
             <a:pPr lvl="2"/>
             <a:r>
-              <a:rPr lang="hu-HU" smtClean="0"/>
+              <a:rPr lang="hu-HU"/>
               <a:t>Harmadik szint</a:t>
             </a:r>
           </a:p>
           <a:p>
             <a:pPr lvl="3"/>
             <a:r>
-              <a:rPr lang="hu-HU" smtClean="0"/>
+              <a:rPr lang="hu-HU"/>
               <a:t>Negyedik szint</a:t>
             </a:r>
           </a:p>
           <a:p>
             <a:pPr lvl="4"/>
             <a:r>
-              <a:rPr lang="hu-HU" smtClean="0"/>
+              <a:rPr lang="hu-HU"/>
               <a:t>Ötödik szint</a:t>
             </a:r>
             <a:endParaRPr lang="en-US" dirty="0"/>
@@ -8203,7 +8203,7 @@
           <a:p>
             <a:fld id="{AAD90C11-F47D-4963-8CF6-8C1BA30685B6}" type="datetimeFigureOut">
               <a:rPr lang="hu-HU" smtClean="0"/>
-              <a:t>2024. 01. 09.</a:t>
+              <a:t>2024. 04. 09.</a:t>
             </a:fld>
             <a:endParaRPr lang="hu-HU"/>
           </a:p>
@@ -8297,7 +8297,7 @@
           <a:lstStyle/>
           <a:p>
             <a:r>
-              <a:rPr lang="hu-HU" smtClean="0"/>
+              <a:rPr lang="hu-HU"/>
               <a:t>Mintacím szerkesztése</a:t>
             </a:r>
             <a:endParaRPr lang="en-US" dirty="0"/>
@@ -8321,7 +8321,7 @@
           <a:p>
             <a:fld id="{AAD90C11-F47D-4963-8CF6-8C1BA30685B6}" type="datetimeFigureOut">
               <a:rPr lang="hu-HU" smtClean="0"/>
-              <a:t>2024. 01. 09.</a:t>
+              <a:t>2024. 04. 09.</a:t>
             </a:fld>
             <a:endParaRPr lang="hu-HU"/>
           </a:p>
@@ -8416,7 +8416,7 @@
           <a:p>
             <a:fld id="{AAD90C11-F47D-4963-8CF6-8C1BA30685B6}" type="datetimeFigureOut">
               <a:rPr lang="hu-HU" smtClean="0"/>
-              <a:t>2024. 01. 09.</a:t>
+              <a:t>2024. 04. 09.</a:t>
             </a:fld>
             <a:endParaRPr lang="hu-HU"/>
           </a:p>
@@ -8519,7 +8519,7 @@
           </a:lstStyle>
           <a:p>
             <a:r>
-              <a:rPr lang="hu-HU" smtClean="0"/>
+              <a:rPr lang="hu-HU"/>
               <a:t>Mintacím szerkesztése</a:t>
             </a:r>
             <a:endParaRPr lang="en-US" dirty="0"/>
@@ -8548,35 +8548,35 @@
           <a:p>
             <a:pPr lvl="0"/>
             <a:r>
-              <a:rPr lang="hu-HU" smtClean="0"/>
+              <a:rPr lang="hu-HU"/>
               <a:t>Mintaszöveg szerkesztése</a:t>
             </a:r>
           </a:p>
           <a:p>
             <a:pPr lvl="1"/>
             <a:r>
-              <a:rPr lang="hu-HU" smtClean="0"/>
+              <a:rPr lang="hu-HU"/>
               <a:t>Második szint</a:t>
             </a:r>
           </a:p>
           <a:p>
             <a:pPr lvl="2"/>
             <a:r>
-              <a:rPr lang="hu-HU" smtClean="0"/>
+              <a:rPr lang="hu-HU"/>
               <a:t>Harmadik szint</a:t>
             </a:r>
           </a:p>
           <a:p>
             <a:pPr lvl="3"/>
             <a:r>
-              <a:rPr lang="hu-HU" smtClean="0"/>
+              <a:rPr lang="hu-HU"/>
               <a:t>Negyedik szint</a:t>
             </a:r>
           </a:p>
           <a:p>
             <a:pPr lvl="4"/>
             <a:r>
-              <a:rPr lang="hu-HU" smtClean="0"/>
+              <a:rPr lang="hu-HU"/>
               <a:t>Ötödik szint</a:t>
             </a:r>
             <a:endParaRPr lang="en-US" dirty="0"/>
@@ -8642,7 +8642,7 @@
           <a:p>
             <a:pPr lvl="0"/>
             <a:r>
-              <a:rPr lang="hu-HU" smtClean="0"/>
+              <a:rPr lang="hu-HU"/>
               <a:t>Mintaszöveg szerkesztése</a:t>
             </a:r>
           </a:p>
@@ -8665,7 +8665,7 @@
           <a:p>
             <a:fld id="{AAD90C11-F47D-4963-8CF6-8C1BA30685B6}" type="datetimeFigureOut">
               <a:rPr lang="hu-HU" smtClean="0"/>
-              <a:t>2024. 01. 09.</a:t>
+              <a:t>2024. 04. 09.</a:t>
             </a:fld>
             <a:endParaRPr lang="hu-HU"/>
           </a:p>
@@ -8768,7 +8768,7 @@
           </a:lstStyle>
           <a:p>
             <a:r>
-              <a:rPr lang="hu-HU" smtClean="0"/>
+              <a:rPr lang="hu-HU"/>
               <a:t>Mintacím szerkesztése</a:t>
             </a:r>
             <a:endParaRPr lang="en-US" dirty="0"/>
@@ -8856,7 +8856,7 @@
           </a:lstStyle>
           <a:p>
             <a:r>
-              <a:rPr lang="hu-HU" smtClean="0"/>
+              <a:rPr lang="hu-HU"/>
               <a:t>Kép beszúrásához kattintson az ikonra</a:t>
             </a:r>
             <a:endParaRPr lang="en-US" dirty="0"/>
@@ -8922,7 +8922,7 @@
           <a:p>
             <a:pPr lvl="0"/>
             <a:r>
-              <a:rPr lang="hu-HU" smtClean="0"/>
+              <a:rPr lang="hu-HU"/>
               <a:t>Mintaszöveg szerkesztése</a:t>
             </a:r>
           </a:p>
@@ -8945,7 +8945,7 @@
           <a:p>
             <a:fld id="{AAD90C11-F47D-4963-8CF6-8C1BA30685B6}" type="datetimeFigureOut">
               <a:rPr lang="hu-HU" smtClean="0"/>
-              <a:t>2024. 01. 09.</a:t>
+              <a:t>2024. 04. 09.</a:t>
             </a:fld>
             <a:endParaRPr lang="hu-HU"/>
           </a:p>
@@ -9061,7 +9061,7 @@
           <a:noFill/>
           <a:extLst>
             <a:ext uri="{909E8E84-426E-40dd-AFC4-6F175D3DCCD1}">
-              <a14:hiddenFill xmlns="" xmlns:a14="http://schemas.microsoft.com/office/drawing/2010/main">
+              <a14:hiddenFill xmlns:a14="http://schemas.microsoft.com/office/drawing/2010/main" xmlns="">
                 <a:solidFill>
                   <a:srgbClr val="FFFFFF"/>
                 </a:solidFill>
@@ -9135,7 +9135,7 @@
               </a:ln>
               <a:extLst>
                 <a:ext uri="{91240B29-F687-4f45-9708-019B960494DF}">
-                  <a14:hiddenLine xmlns="" xmlns:a14="http://schemas.microsoft.com/office/drawing/2010/main" w="9525">
+                  <a14:hiddenLine xmlns:a14="http://schemas.microsoft.com/office/drawing/2010/main" xmlns="" w="9525">
                     <a:solidFill>
                       <a:srgbClr val="000000"/>
                     </a:solidFill>
@@ -9225,7 +9225,7 @@
               </a:ln>
               <a:extLst>
                 <a:ext uri="{91240B29-F687-4f45-9708-019B960494DF}">
-                  <a14:hiddenLine xmlns="" xmlns:a14="http://schemas.microsoft.com/office/drawing/2010/main" w="9525">
+                  <a14:hiddenLine xmlns:a14="http://schemas.microsoft.com/office/drawing/2010/main" xmlns="" w="9525">
                     <a:solidFill>
                       <a:srgbClr val="000000"/>
                     </a:solidFill>
@@ -9315,7 +9315,7 @@
               </a:ln>
               <a:extLst>
                 <a:ext uri="{91240B29-F687-4f45-9708-019B960494DF}">
-                  <a14:hiddenLine xmlns="" xmlns:a14="http://schemas.microsoft.com/office/drawing/2010/main" w="9525">
+                  <a14:hiddenLine xmlns:a14="http://schemas.microsoft.com/office/drawing/2010/main" xmlns="" w="9525">
                     <a:solidFill>
                       <a:srgbClr val="000000"/>
                     </a:solidFill>
@@ -9377,7 +9377,7 @@
               </a:ln>
               <a:extLst>
                 <a:ext uri="{91240B29-F687-4f45-9708-019B960494DF}">
-                  <a14:hiddenLine xmlns="" xmlns:a14="http://schemas.microsoft.com/office/drawing/2010/main" w="9525">
+                  <a14:hiddenLine xmlns:a14="http://schemas.microsoft.com/office/drawing/2010/main" xmlns="" w="9525">
                     <a:solidFill>
                       <a:srgbClr val="000000"/>
                     </a:solidFill>
@@ -9467,7 +9467,7 @@
               </a:ln>
               <a:extLst>
                 <a:ext uri="{91240B29-F687-4f45-9708-019B960494DF}">
-                  <a14:hiddenLine xmlns="" xmlns:a14="http://schemas.microsoft.com/office/drawing/2010/main" w="9525">
+                  <a14:hiddenLine xmlns:a14="http://schemas.microsoft.com/office/drawing/2010/main" xmlns="" w="9525">
                     <a:solidFill>
                       <a:srgbClr val="000000"/>
                     </a:solidFill>
@@ -9529,7 +9529,7 @@
               </a:ln>
               <a:extLst>
                 <a:ext uri="{91240B29-F687-4f45-9708-019B960494DF}">
-                  <a14:hiddenLine xmlns="" xmlns:a14="http://schemas.microsoft.com/office/drawing/2010/main" w="9525">
+                  <a14:hiddenLine xmlns:a14="http://schemas.microsoft.com/office/drawing/2010/main" xmlns="" w="9525">
                     <a:solidFill>
                       <a:srgbClr val="000000"/>
                     </a:solidFill>
@@ -9591,7 +9591,7 @@
               </a:ln>
               <a:extLst>
                 <a:ext uri="{91240B29-F687-4f45-9708-019B960494DF}">
-                  <a14:hiddenLine xmlns="" xmlns:a14="http://schemas.microsoft.com/office/drawing/2010/main" w="9525">
+                  <a14:hiddenLine xmlns:a14="http://schemas.microsoft.com/office/drawing/2010/main" xmlns="" w="9525">
                     <a:solidFill>
                       <a:srgbClr val="000000"/>
                     </a:solidFill>
@@ -9681,7 +9681,7 @@
               </a:ln>
               <a:extLst>
                 <a:ext uri="{91240B29-F687-4f45-9708-019B960494DF}">
-                  <a14:hiddenLine xmlns="" xmlns:a14="http://schemas.microsoft.com/office/drawing/2010/main" w="9525">
+                  <a14:hiddenLine xmlns:a14="http://schemas.microsoft.com/office/drawing/2010/main" xmlns="" w="9525">
                     <a:solidFill>
                       <a:srgbClr val="000000"/>
                     </a:solidFill>
@@ -9771,7 +9771,7 @@
               </a:ln>
               <a:extLst>
                 <a:ext uri="{91240B29-F687-4f45-9708-019B960494DF}">
-                  <a14:hiddenLine xmlns="" xmlns:a14="http://schemas.microsoft.com/office/drawing/2010/main" w="9525">
+                  <a14:hiddenLine xmlns:a14="http://schemas.microsoft.com/office/drawing/2010/main" xmlns="" w="9525">
                     <a:solidFill>
                       <a:srgbClr val="000000"/>
                     </a:solidFill>
@@ -9833,7 +9833,7 @@
               </a:ln>
               <a:extLst>
                 <a:ext uri="{91240B29-F687-4f45-9708-019B960494DF}">
-                  <a14:hiddenLine xmlns="" xmlns:a14="http://schemas.microsoft.com/office/drawing/2010/main" w="9525">
+                  <a14:hiddenLine xmlns:a14="http://schemas.microsoft.com/office/drawing/2010/main" xmlns="" w="9525">
                     <a:solidFill>
                       <a:srgbClr val="000000"/>
                     </a:solidFill>
@@ -9943,7 +9943,7 @@
               </a:ln>
               <a:extLst>
                 <a:ext uri="{91240B29-F687-4f45-9708-019B960494DF}">
-                  <a14:hiddenLine xmlns="" xmlns:a14="http://schemas.microsoft.com/office/drawing/2010/main" w="9525">
+                  <a14:hiddenLine xmlns:a14="http://schemas.microsoft.com/office/drawing/2010/main" xmlns="" w="9525">
                     <a:solidFill>
                       <a:srgbClr val="000000"/>
                     </a:solidFill>
@@ -10027,7 +10027,7 @@
               </a:ln>
               <a:extLst>
                 <a:ext uri="{91240B29-F687-4f45-9708-019B960494DF}">
-                  <a14:hiddenLine xmlns="" xmlns:a14="http://schemas.microsoft.com/office/drawing/2010/main" w="9525">
+                  <a14:hiddenLine xmlns:a14="http://schemas.microsoft.com/office/drawing/2010/main" xmlns="" w="9525">
                     <a:solidFill>
                       <a:srgbClr val="000000"/>
                     </a:solidFill>
@@ -10089,7 +10089,7 @@
               </a:ln>
               <a:extLst>
                 <a:ext uri="{91240B29-F687-4f45-9708-019B960494DF}">
-                  <a14:hiddenLine xmlns="" xmlns:a14="http://schemas.microsoft.com/office/drawing/2010/main" w="9525">
+                  <a14:hiddenLine xmlns:a14="http://schemas.microsoft.com/office/drawing/2010/main" xmlns="" w="9525">
                     <a:solidFill>
                       <a:srgbClr val="000000"/>
                     </a:solidFill>
@@ -10151,7 +10151,7 @@
               </a:ln>
               <a:extLst>
                 <a:ext uri="{91240B29-F687-4f45-9708-019B960494DF}">
-                  <a14:hiddenLine xmlns="" xmlns:a14="http://schemas.microsoft.com/office/drawing/2010/main" w="9525">
+                  <a14:hiddenLine xmlns:a14="http://schemas.microsoft.com/office/drawing/2010/main" xmlns="" w="9525">
                     <a:solidFill>
                       <a:srgbClr val="000000"/>
                     </a:solidFill>
@@ -10241,7 +10241,7 @@
               </a:ln>
               <a:extLst>
                 <a:ext uri="{91240B29-F687-4f45-9708-019B960494DF}">
-                  <a14:hiddenLine xmlns="" xmlns:a14="http://schemas.microsoft.com/office/drawing/2010/main" w="9525">
+                  <a14:hiddenLine xmlns:a14="http://schemas.microsoft.com/office/drawing/2010/main" xmlns="" w="9525">
                     <a:solidFill>
                       <a:srgbClr val="000000"/>
                     </a:solidFill>
@@ -10275,7 +10275,7 @@
               </a:ln>
               <a:extLst>
                 <a:ext uri="{91240B29-F687-4f45-9708-019B960494DF}">
-                  <a14:hiddenLine xmlns="" xmlns:a14="http://schemas.microsoft.com/office/drawing/2010/main" w="9525">
+                  <a14:hiddenLine xmlns:a14="http://schemas.microsoft.com/office/drawing/2010/main" xmlns="" w="9525">
                     <a:solidFill>
                       <a:srgbClr val="000000"/>
                     </a:solidFill>
@@ -10340,7 +10340,7 @@
               </a:ln>
               <a:extLst>
                 <a:ext uri="{91240B29-F687-4f45-9708-019B960494DF}">
-                  <a14:hiddenLine xmlns="" xmlns:a14="http://schemas.microsoft.com/office/drawing/2010/main" w="9525">
+                  <a14:hiddenLine xmlns:a14="http://schemas.microsoft.com/office/drawing/2010/main" xmlns="" w="9525">
                     <a:solidFill>
                       <a:srgbClr val="000000"/>
                     </a:solidFill>
@@ -10430,7 +10430,7 @@
               </a:ln>
               <a:extLst>
                 <a:ext uri="{91240B29-F687-4f45-9708-019B960494DF}">
-                  <a14:hiddenLine xmlns="" xmlns:a14="http://schemas.microsoft.com/office/drawing/2010/main" w="9525">
+                  <a14:hiddenLine xmlns:a14="http://schemas.microsoft.com/office/drawing/2010/main" xmlns="" w="9525">
                     <a:solidFill>
                       <a:srgbClr val="000000"/>
                     </a:solidFill>
@@ -10492,7 +10492,7 @@
               </a:ln>
               <a:extLst>
                 <a:ext uri="{91240B29-F687-4f45-9708-019B960494DF}">
-                  <a14:hiddenLine xmlns="" xmlns:a14="http://schemas.microsoft.com/office/drawing/2010/main" w="9525">
+                  <a14:hiddenLine xmlns:a14="http://schemas.microsoft.com/office/drawing/2010/main" xmlns="" w="9525">
                     <a:solidFill>
                       <a:srgbClr val="000000"/>
                     </a:solidFill>
@@ -10582,7 +10582,7 @@
               </a:ln>
               <a:extLst>
                 <a:ext uri="{91240B29-F687-4f45-9708-019B960494DF}">
-                  <a14:hiddenLine xmlns="" xmlns:a14="http://schemas.microsoft.com/office/drawing/2010/main" w="9525">
+                  <a14:hiddenLine xmlns:a14="http://schemas.microsoft.com/office/drawing/2010/main" xmlns="" w="9525">
                     <a:solidFill>
                       <a:srgbClr val="000000"/>
                     </a:solidFill>
@@ -10647,7 +10647,7 @@
               </a:ln>
               <a:extLst>
                 <a:ext uri="{91240B29-F687-4f45-9708-019B960494DF}">
-                  <a14:hiddenLine xmlns="" xmlns:a14="http://schemas.microsoft.com/office/drawing/2010/main" w="9525">
+                  <a14:hiddenLine xmlns:a14="http://schemas.microsoft.com/office/drawing/2010/main" xmlns="" w="9525">
                     <a:solidFill>
                       <a:srgbClr val="000000"/>
                     </a:solidFill>
@@ -10709,7 +10709,7 @@
               </a:ln>
               <a:extLst>
                 <a:ext uri="{91240B29-F687-4f45-9708-019B960494DF}">
-                  <a14:hiddenLine xmlns="" xmlns:a14="http://schemas.microsoft.com/office/drawing/2010/main" w="9525">
+                  <a14:hiddenLine xmlns:a14="http://schemas.microsoft.com/office/drawing/2010/main" xmlns="" w="9525">
                     <a:solidFill>
                       <a:srgbClr val="000000"/>
                     </a:solidFill>
@@ -10799,7 +10799,7 @@
               </a:ln>
               <a:extLst>
                 <a:ext uri="{91240B29-F687-4f45-9708-019B960494DF}">
-                  <a14:hiddenLine xmlns="" xmlns:a14="http://schemas.microsoft.com/office/drawing/2010/main" w="9525">
+                  <a14:hiddenLine xmlns:a14="http://schemas.microsoft.com/office/drawing/2010/main" xmlns="" w="9525">
                     <a:solidFill>
                       <a:srgbClr val="000000"/>
                     </a:solidFill>
@@ -10889,7 +10889,7 @@
               </a:ln>
               <a:extLst>
                 <a:ext uri="{91240B29-F687-4f45-9708-019B960494DF}">
-                  <a14:hiddenLine xmlns="" xmlns:a14="http://schemas.microsoft.com/office/drawing/2010/main" w="9525">
+                  <a14:hiddenLine xmlns:a14="http://schemas.microsoft.com/office/drawing/2010/main" xmlns="" w="9525">
                     <a:solidFill>
                       <a:srgbClr val="000000"/>
                     </a:solidFill>
@@ -10954,7 +10954,7 @@
               </a:ln>
               <a:extLst>
                 <a:ext uri="{91240B29-F687-4f45-9708-019B960494DF}">
-                  <a14:hiddenLine xmlns="" xmlns:a14="http://schemas.microsoft.com/office/drawing/2010/main" w="9525">
+                  <a14:hiddenLine xmlns:a14="http://schemas.microsoft.com/office/drawing/2010/main" xmlns="" w="9525">
                     <a:solidFill>
                       <a:srgbClr val="000000"/>
                     </a:solidFill>
@@ -11074,7 +11074,7 @@
               </a:ln>
               <a:extLst>
                 <a:ext uri="{91240B29-F687-4f45-9708-019B960494DF}">
-                  <a14:hiddenLine xmlns="" xmlns:a14="http://schemas.microsoft.com/office/drawing/2010/main" w="9525">
+                  <a14:hiddenLine xmlns:a14="http://schemas.microsoft.com/office/drawing/2010/main" xmlns="" w="9525">
                     <a:solidFill>
                       <a:srgbClr val="000000"/>
                     </a:solidFill>
@@ -11172,7 +11172,7 @@
               </a:ln>
               <a:extLst>
                 <a:ext uri="{91240B29-F687-4f45-9708-019B960494DF}">
-                  <a14:hiddenLine xmlns="" xmlns:a14="http://schemas.microsoft.com/office/drawing/2010/main" w="9525">
+                  <a14:hiddenLine xmlns:a14="http://schemas.microsoft.com/office/drawing/2010/main" xmlns="" w="9525">
                     <a:solidFill>
                       <a:srgbClr val="000000"/>
                     </a:solidFill>
@@ -11287,7 +11287,7 @@
               </a:ln>
               <a:extLst>
                 <a:ext uri="{91240B29-F687-4f45-9708-019B960494DF}">
-                  <a14:hiddenLine xmlns="" xmlns:a14="http://schemas.microsoft.com/office/drawing/2010/main" w="9525">
+                  <a14:hiddenLine xmlns:a14="http://schemas.microsoft.com/office/drawing/2010/main" xmlns="" w="9525">
                     <a:solidFill>
                       <a:srgbClr val="000000"/>
                     </a:solidFill>
@@ -11377,7 +11377,7 @@
               </a:ln>
               <a:extLst>
                 <a:ext uri="{91240B29-F687-4f45-9708-019B960494DF}">
-                  <a14:hiddenLine xmlns="" xmlns:a14="http://schemas.microsoft.com/office/drawing/2010/main" w="9525">
+                  <a14:hiddenLine xmlns:a14="http://schemas.microsoft.com/office/drawing/2010/main" xmlns="" w="9525">
                     <a:solidFill>
                       <a:srgbClr val="000000"/>
                     </a:solidFill>
@@ -11442,7 +11442,7 @@
               </a:ln>
               <a:extLst>
                 <a:ext uri="{91240B29-F687-4f45-9708-019B960494DF}">
-                  <a14:hiddenLine xmlns="" xmlns:a14="http://schemas.microsoft.com/office/drawing/2010/main" w="9525">
+                  <a14:hiddenLine xmlns:a14="http://schemas.microsoft.com/office/drawing/2010/main" xmlns="" w="9525">
                     <a:solidFill>
                       <a:srgbClr val="000000"/>
                     </a:solidFill>
@@ -11532,7 +11532,7 @@
               </a:ln>
               <a:extLst>
                 <a:ext uri="{91240B29-F687-4f45-9708-019B960494DF}">
-                  <a14:hiddenLine xmlns="" xmlns:a14="http://schemas.microsoft.com/office/drawing/2010/main" w="9525">
+                  <a14:hiddenLine xmlns:a14="http://schemas.microsoft.com/office/drawing/2010/main" xmlns="" w="9525">
                     <a:solidFill>
                       <a:srgbClr val="000000"/>
                     </a:solidFill>
@@ -11600,7 +11600,7 @@
               </a:ln>
               <a:extLst>
                 <a:ext uri="{91240B29-F687-4f45-9708-019B960494DF}">
-                  <a14:hiddenLine xmlns="" xmlns:a14="http://schemas.microsoft.com/office/drawing/2010/main" w="9525">
+                  <a14:hiddenLine xmlns:a14="http://schemas.microsoft.com/office/drawing/2010/main" xmlns="" w="9525">
                     <a:solidFill>
                       <a:srgbClr val="000000"/>
                     </a:solidFill>
@@ -11690,7 +11690,7 @@
               </a:ln>
               <a:extLst>
                 <a:ext uri="{91240B29-F687-4f45-9708-019B960494DF}">
-                  <a14:hiddenLine xmlns="" xmlns:a14="http://schemas.microsoft.com/office/drawing/2010/main" w="9525">
+                  <a14:hiddenLine xmlns:a14="http://schemas.microsoft.com/office/drawing/2010/main" xmlns="" w="9525">
                     <a:solidFill>
                       <a:srgbClr val="000000"/>
                     </a:solidFill>
@@ -11758,7 +11758,7 @@
               </a:ln>
               <a:extLst>
                 <a:ext uri="{91240B29-F687-4f45-9708-019B960494DF}">
-                  <a14:hiddenLine xmlns="" xmlns:a14="http://schemas.microsoft.com/office/drawing/2010/main" w="9525">
+                  <a14:hiddenLine xmlns:a14="http://schemas.microsoft.com/office/drawing/2010/main" xmlns="" w="9525">
                     <a:solidFill>
                       <a:srgbClr val="000000"/>
                     </a:solidFill>
@@ -11848,7 +11848,7 @@
               </a:ln>
               <a:extLst>
                 <a:ext uri="{91240B29-F687-4f45-9708-019B960494DF}">
-                  <a14:hiddenLine xmlns="" xmlns:a14="http://schemas.microsoft.com/office/drawing/2010/main" w="9525">
+                  <a14:hiddenLine xmlns:a14="http://schemas.microsoft.com/office/drawing/2010/main" xmlns="" w="9525">
                     <a:solidFill>
                       <a:srgbClr val="000000"/>
                     </a:solidFill>
@@ -11882,7 +11882,7 @@
               </a:ln>
               <a:extLst>
                 <a:ext uri="{91240B29-F687-4f45-9708-019B960494DF}">
-                  <a14:hiddenLine xmlns="" xmlns:a14="http://schemas.microsoft.com/office/drawing/2010/main" w="9525">
+                  <a14:hiddenLine xmlns:a14="http://schemas.microsoft.com/office/drawing/2010/main" xmlns="" w="9525">
                     <a:solidFill>
                       <a:srgbClr val="000000"/>
                     </a:solidFill>
@@ -11952,35 +11952,35 @@
           <a:p>
             <a:pPr lvl="0"/>
             <a:r>
-              <a:rPr lang="hu-HU" smtClean="0"/>
+              <a:rPr lang="hu-HU"/>
               <a:t>Mintaszöveg szerkesztése</a:t>
             </a:r>
           </a:p>
           <a:p>
             <a:pPr lvl="1"/>
             <a:r>
-              <a:rPr lang="hu-HU" smtClean="0"/>
+              <a:rPr lang="hu-HU"/>
               <a:t>Második szint</a:t>
             </a:r>
           </a:p>
           <a:p>
             <a:pPr lvl="2"/>
             <a:r>
-              <a:rPr lang="hu-HU" smtClean="0"/>
+              <a:rPr lang="hu-HU"/>
               <a:t>Harmadik szint</a:t>
             </a:r>
           </a:p>
           <a:p>
             <a:pPr lvl="3"/>
             <a:r>
-              <a:rPr lang="hu-HU" smtClean="0"/>
+              <a:rPr lang="hu-HU"/>
               <a:t>Negyedik szint</a:t>
             </a:r>
           </a:p>
           <a:p>
             <a:pPr lvl="4"/>
             <a:r>
-              <a:rPr lang="hu-HU" smtClean="0"/>
+              <a:rPr lang="hu-HU"/>
               <a:t>Ötödik szint</a:t>
             </a:r>
             <a:endParaRPr lang="en-US" dirty="0"/>
@@ -12022,7 +12022,7 @@
           <a:p>
             <a:fld id="{AAD90C11-F47D-4963-8CF6-8C1BA30685B6}" type="datetimeFigureOut">
               <a:rPr lang="hu-HU" smtClean="0"/>
-              <a:t>2024. 01. 09.</a:t>
+              <a:t>2024. 04. 09.</a:t>
             </a:fld>
             <a:endParaRPr lang="hu-HU"/>
           </a:p>
@@ -12458,10 +12458,9 @@
           <a:lstStyle/>
           <a:p>
             <a:r>
-              <a:rPr lang="hu-HU" dirty="0" smtClean="0"/>
+              <a:rPr lang="hu-HU" dirty="0"/>
               <a:t>2.projekt</a:t>
             </a:r>
-            <a:endParaRPr lang="hu-HU" dirty="0"/>
           </a:p>
         </p:txBody>
       </p:sp>
@@ -12481,26 +12480,25 @@
           <a:lstStyle/>
           <a:p>
             <a:r>
-              <a:rPr lang="hu-HU" dirty="0" smtClean="0"/>
+              <a:rPr lang="hu-HU" dirty="0"/>
               <a:t>Játék neve: </a:t>
             </a:r>
             <a:r>
-              <a:rPr lang="hu-HU" dirty="0" err="1" smtClean="0"/>
+              <a:rPr lang="hu-HU" dirty="0" err="1"/>
               <a:t>Dungeon</a:t>
             </a:r>
             <a:r>
-              <a:rPr lang="hu-HU" dirty="0" smtClean="0"/>
+              <a:rPr lang="hu-HU" dirty="0"/>
               <a:t> </a:t>
             </a:r>
             <a:r>
-              <a:rPr lang="hu-HU" dirty="0" err="1" smtClean="0"/>
+              <a:rPr lang="hu-HU" dirty="0" err="1"/>
               <a:t>rush</a:t>
             </a:r>
             <a:r>
-              <a:rPr lang="hu-HU" dirty="0" smtClean="0"/>
+              <a:rPr lang="hu-HU" dirty="0"/>
               <a:t> </a:t>
             </a:r>
-            <a:endParaRPr lang="hu-HU" dirty="0"/>
           </a:p>
         </p:txBody>
       </p:sp>
@@ -12550,10 +12548,9 @@
           <a:lstStyle/>
           <a:p>
             <a:r>
-              <a:rPr lang="hu-HU" dirty="0" smtClean="0"/>
+              <a:rPr lang="hu-HU" dirty="0"/>
               <a:t>story</a:t>
             </a:r>
-            <a:endParaRPr lang="hu-HU" dirty="0"/>
           </a:p>
         </p:txBody>
       </p:sp>
@@ -12573,474 +12570,473 @@
           <a:lstStyle/>
           <a:p>
             <a:r>
-              <a:rPr lang="hu-HU" dirty="0" smtClean="0"/>
+              <a:rPr lang="hu-HU" dirty="0"/>
               <a:t>A </a:t>
             </a:r>
             <a:r>
-              <a:rPr lang="hu-HU" dirty="0" err="1" smtClean="0"/>
+              <a:rPr lang="hu-HU" dirty="0" err="1"/>
               <a:t>long</a:t>
             </a:r>
             <a:r>
-              <a:rPr lang="hu-HU" dirty="0" smtClean="0"/>
+              <a:rPr lang="hu-HU" dirty="0"/>
               <a:t> </a:t>
             </a:r>
             <a:r>
-              <a:rPr lang="hu-HU" dirty="0" err="1" smtClean="0"/>
+              <a:rPr lang="hu-HU" dirty="0" err="1"/>
               <a:t>time</a:t>
             </a:r>
             <a:r>
-              <a:rPr lang="hu-HU" dirty="0" smtClean="0"/>
+              <a:rPr lang="hu-HU" dirty="0"/>
               <a:t> </a:t>
             </a:r>
             <a:r>
-              <a:rPr lang="hu-HU" dirty="0" err="1" smtClean="0"/>
+              <a:rPr lang="hu-HU" dirty="0" err="1"/>
               <a:t>ago</a:t>
             </a:r>
             <a:r>
-              <a:rPr lang="hu-HU" dirty="0" smtClean="0"/>
+              <a:rPr lang="hu-HU" dirty="0"/>
               <a:t> an </a:t>
             </a:r>
             <a:r>
-              <a:rPr lang="hu-HU" dirty="0" err="1" smtClean="0"/>
+              <a:rPr lang="hu-HU" dirty="0" err="1"/>
               <a:t>ancient</a:t>
             </a:r>
             <a:r>
-              <a:rPr lang="hu-HU" dirty="0" smtClean="0"/>
+              <a:rPr lang="hu-HU" dirty="0"/>
               <a:t> </a:t>
             </a:r>
             <a:r>
-              <a:rPr lang="hu-HU" dirty="0" err="1" smtClean="0"/>
+              <a:rPr lang="hu-HU" dirty="0" err="1"/>
               <a:t>devil</a:t>
             </a:r>
             <a:r>
-              <a:rPr lang="hu-HU" dirty="0" smtClean="0"/>
+              <a:rPr lang="hu-HU" dirty="0"/>
               <a:t> </a:t>
             </a:r>
             <a:r>
-              <a:rPr lang="hu-HU" dirty="0" err="1" smtClean="0"/>
+              <a:rPr lang="hu-HU" dirty="0" err="1"/>
               <a:t>was</a:t>
             </a:r>
             <a:r>
-              <a:rPr lang="hu-HU" dirty="0" smtClean="0"/>
+              <a:rPr lang="hu-HU" dirty="0"/>
               <a:t> </a:t>
             </a:r>
             <a:r>
-              <a:rPr lang="hu-HU" dirty="0" err="1" smtClean="0"/>
+              <a:rPr lang="hu-HU" dirty="0" err="1"/>
               <a:t>seald</a:t>
             </a:r>
             <a:r>
-              <a:rPr lang="hu-HU" dirty="0" smtClean="0"/>
+              <a:rPr lang="hu-HU" dirty="0"/>
               <a:t> </a:t>
             </a:r>
             <a:r>
-              <a:rPr lang="hu-HU" dirty="0" err="1" smtClean="0"/>
+              <a:rPr lang="hu-HU" dirty="0" err="1"/>
               <a:t>away</a:t>
             </a:r>
             <a:r>
-              <a:rPr lang="hu-HU" dirty="0" smtClean="0"/>
+              <a:rPr lang="hu-HU" dirty="0"/>
               <a:t> </a:t>
             </a:r>
             <a:r>
-              <a:rPr lang="hu-HU" dirty="0" err="1" smtClean="0"/>
+              <a:rPr lang="hu-HU" dirty="0" err="1"/>
               <a:t>deep</a:t>
             </a:r>
             <a:r>
-              <a:rPr lang="hu-HU" dirty="0" smtClean="0"/>
+              <a:rPr lang="hu-HU" dirty="0"/>
               <a:t> in a </a:t>
             </a:r>
             <a:r>
-              <a:rPr lang="hu-HU" dirty="0" err="1" smtClean="0"/>
+              <a:rPr lang="hu-HU" dirty="0" err="1"/>
               <a:t>dungeon</a:t>
             </a:r>
             <a:r>
-              <a:rPr lang="hu-HU" dirty="0" smtClean="0"/>
+              <a:rPr lang="hu-HU" dirty="0"/>
               <a:t>. </a:t>
             </a:r>
             <a:r>
-              <a:rPr lang="hu-HU" dirty="0" err="1" smtClean="0"/>
+              <a:rPr lang="hu-HU" dirty="0" err="1"/>
               <a:t>After</a:t>
             </a:r>
             <a:r>
-              <a:rPr lang="hu-HU" dirty="0" smtClean="0"/>
+              <a:rPr lang="hu-HU" dirty="0"/>
               <a:t> a 1000 </a:t>
             </a:r>
             <a:r>
-              <a:rPr lang="hu-HU" dirty="0" err="1" smtClean="0"/>
+              <a:rPr lang="hu-HU" dirty="0" err="1"/>
               <a:t>year</a:t>
             </a:r>
             <a:r>
-              <a:rPr lang="hu-HU" dirty="0" smtClean="0"/>
+              <a:rPr lang="hu-HU" dirty="0"/>
               <a:t> </a:t>
             </a:r>
             <a:r>
-              <a:rPr lang="hu-HU" dirty="0" err="1" smtClean="0"/>
+              <a:rPr lang="hu-HU" dirty="0" err="1"/>
               <a:t>the</a:t>
             </a:r>
             <a:r>
-              <a:rPr lang="hu-HU" dirty="0" smtClean="0"/>
+              <a:rPr lang="hu-HU" dirty="0"/>
               <a:t> </a:t>
             </a:r>
             <a:r>
-              <a:rPr lang="hu-HU" dirty="0" err="1" smtClean="0"/>
+              <a:rPr lang="hu-HU" dirty="0" err="1"/>
               <a:t>seal</a:t>
             </a:r>
             <a:r>
-              <a:rPr lang="hu-HU" dirty="0" smtClean="0"/>
+              <a:rPr lang="hu-HU" dirty="0"/>
               <a:t> has </a:t>
             </a:r>
             <a:r>
-              <a:rPr lang="hu-HU" dirty="0" err="1" smtClean="0"/>
+              <a:rPr lang="hu-HU" dirty="0" err="1"/>
               <a:t>been</a:t>
             </a:r>
             <a:r>
-              <a:rPr lang="hu-HU" dirty="0" smtClean="0"/>
+              <a:rPr lang="hu-HU" dirty="0"/>
               <a:t> </a:t>
             </a:r>
             <a:r>
-              <a:rPr lang="hu-HU" dirty="0" err="1" smtClean="0"/>
+              <a:rPr lang="hu-HU" dirty="0" err="1"/>
               <a:t>weakend</a:t>
             </a:r>
             <a:r>
-              <a:rPr lang="hu-HU" dirty="0" smtClean="0"/>
+              <a:rPr lang="hu-HU" dirty="0"/>
               <a:t> and </a:t>
             </a:r>
             <a:r>
-              <a:rPr lang="hu-HU" dirty="0" err="1" smtClean="0"/>
+              <a:rPr lang="hu-HU" dirty="0" err="1"/>
               <a:t>the</a:t>
             </a:r>
             <a:r>
-              <a:rPr lang="hu-HU" dirty="0" smtClean="0"/>
+              <a:rPr lang="hu-HU" dirty="0"/>
               <a:t> </a:t>
             </a:r>
             <a:r>
-              <a:rPr lang="hu-HU" dirty="0" err="1" smtClean="0"/>
+              <a:rPr lang="hu-HU" dirty="0" err="1"/>
               <a:t>devil</a:t>
             </a:r>
             <a:r>
-              <a:rPr lang="hu-HU" dirty="0" smtClean="0"/>
+              <a:rPr lang="hu-HU" dirty="0"/>
               <a:t> </a:t>
             </a:r>
             <a:r>
-              <a:rPr lang="hu-HU" dirty="0" err="1" smtClean="0"/>
+              <a:rPr lang="hu-HU" dirty="0" err="1"/>
               <a:t>might</a:t>
             </a:r>
             <a:r>
-              <a:rPr lang="hu-HU" dirty="0" smtClean="0"/>
+              <a:rPr lang="hu-HU" dirty="0"/>
               <a:t> be </a:t>
             </a:r>
             <a:r>
-              <a:rPr lang="hu-HU" dirty="0" err="1" smtClean="0"/>
+              <a:rPr lang="hu-HU" dirty="0" err="1"/>
               <a:t>released</a:t>
             </a:r>
             <a:r>
-              <a:rPr lang="hu-HU" dirty="0" smtClean="0"/>
+              <a:rPr lang="hu-HU" dirty="0"/>
               <a:t>. </a:t>
             </a:r>
           </a:p>
           <a:p>
             <a:r>
-              <a:rPr lang="hu-HU" dirty="0" err="1" smtClean="0"/>
+              <a:rPr lang="hu-HU" dirty="0" err="1"/>
               <a:t>You</a:t>
             </a:r>
             <a:r>
-              <a:rPr lang="hu-HU" dirty="0" smtClean="0"/>
+              <a:rPr lang="hu-HU" dirty="0"/>
               <a:t> </a:t>
             </a:r>
             <a:r>
-              <a:rPr lang="hu-HU" dirty="0" err="1" smtClean="0"/>
+              <a:rPr lang="hu-HU" dirty="0" err="1"/>
               <a:t>were</a:t>
             </a:r>
             <a:r>
-              <a:rPr lang="hu-HU" dirty="0" smtClean="0"/>
+              <a:rPr lang="hu-HU" dirty="0"/>
               <a:t> </a:t>
             </a:r>
             <a:r>
-              <a:rPr lang="hu-HU" dirty="0" err="1" smtClean="0"/>
+              <a:rPr lang="hu-HU" dirty="0" err="1"/>
               <a:t>sent</a:t>
             </a:r>
             <a:r>
-              <a:rPr lang="hu-HU" dirty="0" smtClean="0"/>
+              <a:rPr lang="hu-HU" dirty="0"/>
               <a:t> </a:t>
             </a:r>
             <a:r>
-              <a:rPr lang="hu-HU" dirty="0" err="1" smtClean="0"/>
+              <a:rPr lang="hu-HU" dirty="0" err="1"/>
               <a:t>to</a:t>
             </a:r>
             <a:r>
-              <a:rPr lang="hu-HU" dirty="0" smtClean="0"/>
+              <a:rPr lang="hu-HU" dirty="0"/>
               <a:t> </a:t>
             </a:r>
             <a:r>
-              <a:rPr lang="hu-HU" dirty="0" err="1" smtClean="0"/>
+              <a:rPr lang="hu-HU" dirty="0" err="1"/>
               <a:t>the</a:t>
             </a:r>
             <a:r>
-              <a:rPr lang="hu-HU" dirty="0" smtClean="0"/>
+              <a:rPr lang="hu-HU" dirty="0"/>
               <a:t> </a:t>
             </a:r>
             <a:r>
-              <a:rPr lang="hu-HU" dirty="0" err="1" smtClean="0"/>
+              <a:rPr lang="hu-HU" dirty="0" err="1"/>
               <a:t>dungeon</a:t>
             </a:r>
             <a:r>
-              <a:rPr lang="hu-HU" dirty="0" smtClean="0"/>
+              <a:rPr lang="hu-HU" dirty="0"/>
               <a:t> </a:t>
             </a:r>
             <a:r>
-              <a:rPr lang="hu-HU" dirty="0" err="1" smtClean="0"/>
+              <a:rPr lang="hu-HU" dirty="0" err="1"/>
               <a:t>to</a:t>
             </a:r>
             <a:r>
-              <a:rPr lang="hu-HU" dirty="0" smtClean="0"/>
+              <a:rPr lang="hu-HU" dirty="0"/>
               <a:t> </a:t>
             </a:r>
             <a:r>
-              <a:rPr lang="hu-HU" dirty="0" err="1" smtClean="0"/>
+              <a:rPr lang="hu-HU" dirty="0" err="1"/>
               <a:t>defeat</a:t>
             </a:r>
             <a:r>
-              <a:rPr lang="hu-HU" dirty="0" smtClean="0"/>
+              <a:rPr lang="hu-HU" dirty="0"/>
               <a:t> </a:t>
             </a:r>
             <a:r>
-              <a:rPr lang="hu-HU" dirty="0" err="1" smtClean="0"/>
+              <a:rPr lang="hu-HU" dirty="0" err="1"/>
               <a:t>the</a:t>
             </a:r>
             <a:r>
-              <a:rPr lang="hu-HU" dirty="0" smtClean="0"/>
+              <a:rPr lang="hu-HU" dirty="0"/>
               <a:t> </a:t>
             </a:r>
             <a:r>
-              <a:rPr lang="hu-HU" dirty="0" err="1" smtClean="0"/>
+              <a:rPr lang="hu-HU" dirty="0" err="1"/>
               <a:t>evil</a:t>
             </a:r>
             <a:r>
-              <a:rPr lang="hu-HU" dirty="0" smtClean="0"/>
+              <a:rPr lang="hu-HU" dirty="0"/>
               <a:t> being </a:t>
             </a:r>
             <a:r>
-              <a:rPr lang="hu-HU" dirty="0" err="1" smtClean="0"/>
+              <a:rPr lang="hu-HU" dirty="0" err="1"/>
               <a:t>so</a:t>
             </a:r>
             <a:r>
-              <a:rPr lang="hu-HU" dirty="0" smtClean="0"/>
+              <a:rPr lang="hu-HU" dirty="0"/>
               <a:t> </a:t>
             </a:r>
             <a:r>
-              <a:rPr lang="hu-HU" dirty="0" err="1" smtClean="0"/>
+              <a:rPr lang="hu-HU" dirty="0" err="1"/>
               <a:t>that</a:t>
             </a:r>
             <a:r>
-              <a:rPr lang="hu-HU" dirty="0" smtClean="0"/>
+              <a:rPr lang="hu-HU" dirty="0"/>
               <a:t> it </a:t>
             </a:r>
             <a:r>
-              <a:rPr lang="hu-HU" dirty="0" err="1" smtClean="0"/>
+              <a:rPr lang="hu-HU" dirty="0" err="1"/>
               <a:t>can’t</a:t>
             </a:r>
             <a:r>
-              <a:rPr lang="hu-HU" dirty="0" smtClean="0"/>
+              <a:rPr lang="hu-HU" dirty="0"/>
               <a:t> </a:t>
             </a:r>
             <a:r>
-              <a:rPr lang="hu-HU" dirty="0" err="1" smtClean="0"/>
+              <a:rPr lang="hu-HU" dirty="0" err="1"/>
               <a:t>bring</a:t>
             </a:r>
             <a:r>
-              <a:rPr lang="hu-HU" dirty="0" smtClean="0"/>
+              <a:rPr lang="hu-HU" dirty="0"/>
               <a:t> </a:t>
             </a:r>
             <a:r>
-              <a:rPr lang="hu-HU" dirty="0" err="1" smtClean="0"/>
+              <a:rPr lang="hu-HU" dirty="0" err="1"/>
               <a:t>chaose</a:t>
             </a:r>
             <a:r>
-              <a:rPr lang="hu-HU" dirty="0" smtClean="0"/>
+              <a:rPr lang="hu-HU" dirty="0"/>
               <a:t> </a:t>
             </a:r>
             <a:r>
-              <a:rPr lang="hu-HU" dirty="0" err="1" smtClean="0"/>
+              <a:rPr lang="hu-HU" dirty="0" err="1"/>
               <a:t>to</a:t>
             </a:r>
             <a:r>
-              <a:rPr lang="hu-HU" dirty="0" smtClean="0"/>
+              <a:rPr lang="hu-HU" dirty="0"/>
               <a:t> </a:t>
             </a:r>
             <a:r>
-              <a:rPr lang="hu-HU" dirty="0" err="1" smtClean="0"/>
+              <a:rPr lang="hu-HU" dirty="0" err="1"/>
               <a:t>the</a:t>
             </a:r>
             <a:r>
-              <a:rPr lang="hu-HU" dirty="0" smtClean="0"/>
+              <a:rPr lang="hu-HU" dirty="0"/>
               <a:t> </a:t>
             </a:r>
             <a:r>
-              <a:rPr lang="hu-HU" dirty="0" err="1" smtClean="0"/>
+              <a:rPr lang="hu-HU" dirty="0" err="1"/>
               <a:t>world</a:t>
             </a:r>
             <a:r>
-              <a:rPr lang="hu-HU" dirty="0" smtClean="0"/>
+              <a:rPr lang="hu-HU" dirty="0"/>
               <a:t> </a:t>
             </a:r>
             <a:r>
-              <a:rPr lang="hu-HU" dirty="0" err="1" smtClean="0"/>
+              <a:rPr lang="hu-HU" dirty="0" err="1"/>
               <a:t>but</a:t>
             </a:r>
             <a:r>
-              <a:rPr lang="hu-HU" dirty="0" smtClean="0"/>
+              <a:rPr lang="hu-HU" dirty="0"/>
               <a:t> a </a:t>
             </a:r>
             <a:r>
-              <a:rPr lang="hu-HU" dirty="0" err="1" smtClean="0"/>
+              <a:rPr lang="hu-HU" dirty="0" err="1"/>
               <a:t>lot</a:t>
             </a:r>
             <a:r>
-              <a:rPr lang="hu-HU" dirty="0" smtClean="0"/>
+              <a:rPr lang="hu-HU" dirty="0"/>
               <a:t> of </a:t>
             </a:r>
             <a:r>
-              <a:rPr lang="hu-HU" dirty="0" err="1" smtClean="0"/>
+              <a:rPr lang="hu-HU" dirty="0" err="1"/>
               <a:t>monsters</a:t>
             </a:r>
             <a:r>
-              <a:rPr lang="hu-HU" dirty="0" smtClean="0"/>
+              <a:rPr lang="hu-HU" dirty="0"/>
               <a:t> </a:t>
             </a:r>
             <a:r>
-              <a:rPr lang="hu-HU" dirty="0" err="1" smtClean="0"/>
+              <a:rPr lang="hu-HU" dirty="0" err="1"/>
               <a:t>live</a:t>
             </a:r>
             <a:r>
-              <a:rPr lang="hu-HU" dirty="0" smtClean="0"/>
+              <a:rPr lang="hu-HU" dirty="0"/>
               <a:t> in </a:t>
             </a:r>
             <a:r>
-              <a:rPr lang="hu-HU" dirty="0" err="1" smtClean="0"/>
+              <a:rPr lang="hu-HU" dirty="0" err="1"/>
               <a:t>this</a:t>
             </a:r>
             <a:r>
-              <a:rPr lang="hu-HU" dirty="0" smtClean="0"/>
+              <a:rPr lang="hu-HU" dirty="0"/>
               <a:t> </a:t>
             </a:r>
             <a:r>
-              <a:rPr lang="hu-HU" dirty="0" err="1" smtClean="0"/>
+              <a:rPr lang="hu-HU" dirty="0" err="1"/>
               <a:t>dungeon</a:t>
             </a:r>
             <a:r>
-              <a:rPr lang="hu-HU" dirty="0" smtClean="0"/>
+              <a:rPr lang="hu-HU" dirty="0"/>
               <a:t> and </a:t>
             </a:r>
             <a:r>
-              <a:rPr lang="hu-HU" dirty="0" err="1" smtClean="0"/>
+              <a:rPr lang="hu-HU" dirty="0" err="1"/>
               <a:t>you</a:t>
             </a:r>
             <a:r>
-              <a:rPr lang="hu-HU" dirty="0" smtClean="0"/>
+              <a:rPr lang="hu-HU" dirty="0"/>
               <a:t> </a:t>
             </a:r>
             <a:r>
-              <a:rPr lang="hu-HU" dirty="0" err="1" smtClean="0"/>
+              <a:rPr lang="hu-HU" dirty="0" err="1"/>
               <a:t>have</a:t>
             </a:r>
             <a:r>
-              <a:rPr lang="hu-HU" dirty="0" smtClean="0"/>
+              <a:rPr lang="hu-HU" dirty="0"/>
               <a:t> </a:t>
             </a:r>
             <a:r>
-              <a:rPr lang="hu-HU" dirty="0" err="1" smtClean="0"/>
+              <a:rPr lang="hu-HU" dirty="0" err="1"/>
               <a:t>to</a:t>
             </a:r>
             <a:r>
-              <a:rPr lang="hu-HU" dirty="0" smtClean="0"/>
+              <a:rPr lang="hu-HU" dirty="0"/>
               <a:t> </a:t>
             </a:r>
             <a:r>
-              <a:rPr lang="hu-HU" dirty="0" err="1" smtClean="0"/>
+              <a:rPr lang="hu-HU" dirty="0" err="1"/>
               <a:t>defeat</a:t>
             </a:r>
             <a:r>
-              <a:rPr lang="hu-HU" dirty="0" smtClean="0"/>
+              <a:rPr lang="hu-HU" dirty="0"/>
               <a:t> </a:t>
             </a:r>
             <a:r>
-              <a:rPr lang="hu-HU" dirty="0" err="1" smtClean="0"/>
+              <a:rPr lang="hu-HU" dirty="0" err="1"/>
               <a:t>them</a:t>
             </a:r>
             <a:r>
-              <a:rPr lang="hu-HU" dirty="0" smtClean="0"/>
+              <a:rPr lang="hu-HU" dirty="0"/>
               <a:t> </a:t>
             </a:r>
             <a:r>
-              <a:rPr lang="hu-HU" dirty="0" err="1" smtClean="0"/>
+              <a:rPr lang="hu-HU" dirty="0" err="1"/>
               <a:t>on</a:t>
             </a:r>
             <a:r>
-              <a:rPr lang="hu-HU" dirty="0" smtClean="0"/>
+              <a:rPr lang="hu-HU" dirty="0"/>
               <a:t> </a:t>
             </a:r>
             <a:r>
-              <a:rPr lang="hu-HU" dirty="0" err="1" smtClean="0"/>
+              <a:rPr lang="hu-HU" dirty="0" err="1"/>
               <a:t>the</a:t>
             </a:r>
             <a:r>
-              <a:rPr lang="hu-HU" dirty="0" smtClean="0"/>
+              <a:rPr lang="hu-HU" dirty="0"/>
               <a:t> </a:t>
             </a:r>
             <a:r>
-              <a:rPr lang="hu-HU" dirty="0" err="1" smtClean="0"/>
+              <a:rPr lang="hu-HU" dirty="0" err="1"/>
               <a:t>way</a:t>
             </a:r>
             <a:r>
-              <a:rPr lang="hu-HU" dirty="0" smtClean="0"/>
+              <a:rPr lang="hu-HU" dirty="0"/>
               <a:t>. </a:t>
             </a:r>
           </a:p>
           <a:p>
             <a:r>
-              <a:rPr lang="hu-HU" dirty="0" smtClean="0"/>
+              <a:rPr lang="hu-HU" dirty="0"/>
               <a:t>Good </a:t>
             </a:r>
             <a:r>
-              <a:rPr lang="hu-HU" dirty="0" err="1" smtClean="0"/>
+              <a:rPr lang="hu-HU" dirty="0" err="1"/>
               <a:t>luck</a:t>
             </a:r>
             <a:r>
-              <a:rPr lang="hu-HU" dirty="0" smtClean="0"/>
+              <a:rPr lang="hu-HU" dirty="0"/>
               <a:t> and </a:t>
             </a:r>
             <a:r>
-              <a:rPr lang="hu-HU" dirty="0" err="1" smtClean="0"/>
+              <a:rPr lang="hu-HU" dirty="0" err="1"/>
               <a:t>try</a:t>
             </a:r>
             <a:r>
-              <a:rPr lang="hu-HU" dirty="0" smtClean="0"/>
+              <a:rPr lang="hu-HU" dirty="0"/>
               <a:t> </a:t>
             </a:r>
             <a:r>
-              <a:rPr lang="hu-HU" dirty="0" err="1" smtClean="0"/>
+              <a:rPr lang="hu-HU" dirty="0" err="1"/>
               <a:t>not</a:t>
             </a:r>
             <a:r>
-              <a:rPr lang="hu-HU" dirty="0" smtClean="0"/>
+              <a:rPr lang="hu-HU" dirty="0"/>
               <a:t> </a:t>
             </a:r>
             <a:r>
-              <a:rPr lang="hu-HU" dirty="0" err="1" smtClean="0"/>
+              <a:rPr lang="hu-HU" dirty="0" err="1"/>
               <a:t>to</a:t>
             </a:r>
             <a:r>
-              <a:rPr lang="hu-HU" dirty="0" smtClean="0"/>
+              <a:rPr lang="hu-HU" dirty="0"/>
               <a:t> </a:t>
             </a:r>
             <a:r>
-              <a:rPr lang="hu-HU" dirty="0" err="1" smtClean="0"/>
+              <a:rPr lang="hu-HU" dirty="0" err="1"/>
               <a:t>die</a:t>
             </a:r>
             <a:r>
               <a:rPr lang="hu-HU" dirty="0"/>
               <a:t>!</a:t>
             </a:r>
-            <a:endParaRPr lang="hu-HU" dirty="0"/>
           </a:p>
         </p:txBody>
       </p:sp>
@@ -13090,11 +13086,11 @@
           <a:lstStyle/>
           <a:p>
             <a:r>
-              <a:rPr lang="hu-HU" dirty="0" err="1" smtClean="0"/>
+              <a:rPr lang="hu-HU" dirty="0" err="1"/>
               <a:t>different</a:t>
             </a:r>
             <a:r>
-              <a:rPr lang="hu-HU" dirty="0" smtClean="0"/>
+              <a:rPr lang="hu-HU" dirty="0"/>
               <a:t> </a:t>
             </a:r>
             <a:r>
@@ -13236,7 +13232,7 @@
               <a:t> </a:t>
             </a:r>
             <a:r>
-              <a:rPr lang="hu-HU" dirty="0" err="1" smtClean="0"/>
+              <a:rPr lang="hu-HU" dirty="0" err="1"/>
               <a:t>prison</a:t>
             </a:r>
             <a:endParaRPr lang="hu-HU" dirty="0"/>
@@ -13289,7 +13285,7 @@
           <a:lstStyle/>
           <a:p>
             <a:r>
-              <a:rPr lang="hu-HU" dirty="0" err="1" smtClean="0"/>
+              <a:rPr lang="hu-HU" dirty="0" err="1"/>
               <a:t>mobs</a:t>
             </a:r>
             <a:endParaRPr lang="hu-HU" dirty="0"/>
@@ -13388,20 +13384,16 @@
           </a:p>
           <a:p>
             <a:r>
-              <a:rPr lang="hu-HU" dirty="0" smtClean="0"/>
+              <a:rPr lang="hu-HU" dirty="0"/>
               <a:t>-</a:t>
             </a:r>
             <a:r>
-              <a:rPr lang="hu-HU" dirty="0" err="1" smtClean="0"/>
+              <a:rPr lang="hu-HU" dirty="0" err="1"/>
               <a:t>undead</a:t>
             </a:r>
             <a:r>
-              <a:rPr lang="hu-HU" dirty="0" smtClean="0"/>
-              <a:t> </a:t>
-            </a:r>
-            <a:r>
               <a:rPr lang="hu-HU" dirty="0"/>
-              <a:t>dragon</a:t>
+              <a:t> dragon</a:t>
             </a:r>
           </a:p>
           <a:p>
@@ -13412,50 +13404,49 @@
           </a:p>
           <a:p>
             <a:r>
-              <a:rPr lang="hu-HU" dirty="0" smtClean="0"/>
+              <a:rPr lang="hu-HU" dirty="0"/>
               <a:t>-</a:t>
             </a:r>
             <a:r>
-              <a:rPr lang="hu-HU" dirty="0" err="1" smtClean="0"/>
+              <a:rPr lang="hu-HU" dirty="0" err="1"/>
               <a:t>devil</a:t>
             </a:r>
             <a:r>
-              <a:rPr lang="hu-HU" dirty="0" smtClean="0"/>
+              <a:rPr lang="hu-HU" dirty="0"/>
               <a:t>(</a:t>
             </a:r>
             <a:r>
-              <a:rPr lang="hu-HU" dirty="0" err="1" smtClean="0"/>
+              <a:rPr lang="hu-HU" dirty="0" err="1"/>
               <a:t>Vexar</a:t>
             </a:r>
             <a:r>
-              <a:rPr lang="hu-HU" dirty="0" smtClean="0"/>
+              <a:rPr lang="hu-HU" dirty="0"/>
               <a:t> </a:t>
             </a:r>
             <a:r>
-              <a:rPr lang="hu-HU" dirty="0" err="1" smtClean="0"/>
+              <a:rPr lang="hu-HU" dirty="0" err="1"/>
               <a:t>the</a:t>
             </a:r>
             <a:r>
-              <a:rPr lang="hu-HU" dirty="0" smtClean="0"/>
+              <a:rPr lang="hu-HU" dirty="0"/>
               <a:t> </a:t>
             </a:r>
             <a:r>
-              <a:rPr lang="hu-HU" dirty="0" err="1" smtClean="0"/>
+              <a:rPr lang="hu-HU" dirty="0" err="1"/>
               <a:t>fear</a:t>
             </a:r>
             <a:r>
-              <a:rPr lang="hu-HU" dirty="0" smtClean="0"/>
+              <a:rPr lang="hu-HU" dirty="0"/>
               <a:t> </a:t>
             </a:r>
             <a:r>
-              <a:rPr lang="hu-HU" dirty="0" err="1" smtClean="0"/>
+              <a:rPr lang="hu-HU" dirty="0" err="1"/>
               <a:t>devil</a:t>
             </a:r>
             <a:r>
-              <a:rPr lang="hu-HU" dirty="0" smtClean="0"/>
+              <a:rPr lang="hu-HU" dirty="0"/>
               <a:t>)</a:t>
             </a:r>
-            <a:endParaRPr lang="hu-HU" dirty="0"/>
           </a:p>
           <a:p>
             <a:endParaRPr lang="hu-HU" dirty="0"/>
@@ -13508,7 +13499,7 @@
           <a:lstStyle/>
           <a:p>
             <a:r>
-              <a:rPr lang="hu-HU" dirty="0" err="1" smtClean="0"/>
+              <a:rPr lang="hu-HU" dirty="0" err="1"/>
               <a:t>weapons</a:t>
             </a:r>
             <a:endParaRPr lang="hu-HU" dirty="0"/>
@@ -13756,7 +13747,7 @@
           <a:lstStyle/>
           <a:p>
             <a:r>
-              <a:rPr lang="hu-HU" dirty="0" err="1" smtClean="0"/>
+              <a:rPr lang="hu-HU" dirty="0" err="1"/>
               <a:t>armour</a:t>
             </a:r>
             <a:endParaRPr lang="hu-HU" dirty="0"/>
@@ -13963,7 +13954,7 @@
           <a:lstStyle/>
           <a:p>
             <a:r>
-              <a:rPr lang="hu-HU" dirty="0" err="1" smtClean="0"/>
+              <a:rPr lang="hu-HU" dirty="0" err="1"/>
               <a:t>abilities</a:t>
             </a:r>
             <a:endParaRPr lang="hu-HU" dirty="0"/>
@@ -13988,104 +13979,104 @@
           <a:lstStyle/>
           <a:p>
             <a:r>
-              <a:rPr lang="hu-HU" dirty="0" smtClean="0"/>
+              <a:rPr lang="hu-HU" dirty="0"/>
               <a:t>-</a:t>
             </a:r>
             <a:r>
-              <a:rPr lang="hu-HU" dirty="0" err="1" smtClean="0"/>
+              <a:rPr lang="hu-HU" dirty="0" err="1"/>
               <a:t>quick</a:t>
             </a:r>
             <a:r>
-              <a:rPr lang="hu-HU" dirty="0" smtClean="0"/>
+              <a:rPr lang="hu-HU" dirty="0"/>
               <a:t> </a:t>
             </a:r>
             <a:r>
-              <a:rPr lang="hu-HU" dirty="0" err="1" smtClean="0"/>
+              <a:rPr lang="hu-HU" dirty="0" err="1"/>
               <a:t>heal</a:t>
             </a:r>
-            <a:endParaRPr lang="hu-HU" dirty="0" smtClean="0"/>
-          </a:p>
-          <a:p>
-            <a:r>
-              <a:rPr lang="hu-HU" dirty="0" smtClean="0"/>
+            <a:endParaRPr lang="hu-HU" dirty="0"/>
+          </a:p>
+          <a:p>
+            <a:r>
+              <a:rPr lang="hu-HU" dirty="0"/>
               <a:t>-</a:t>
             </a:r>
             <a:r>
-              <a:rPr lang="hu-HU" dirty="0" err="1" smtClean="0"/>
+              <a:rPr lang="hu-HU" dirty="0" err="1"/>
               <a:t>storm</a:t>
             </a:r>
             <a:r>
-              <a:rPr lang="hu-HU" dirty="0" smtClean="0"/>
+              <a:rPr lang="hu-HU" dirty="0"/>
               <a:t> terror</a:t>
             </a:r>
           </a:p>
           <a:p>
             <a:r>
-              <a:rPr lang="hu-HU" dirty="0" smtClean="0"/>
+              <a:rPr lang="hu-HU" dirty="0"/>
               <a:t>-</a:t>
             </a:r>
             <a:r>
-              <a:rPr lang="hu-HU" dirty="0" err="1" smtClean="0"/>
+              <a:rPr lang="hu-HU" dirty="0" err="1"/>
               <a:t>lucky</a:t>
             </a:r>
             <a:r>
-              <a:rPr lang="hu-HU" dirty="0" smtClean="0"/>
+              <a:rPr lang="hu-HU" dirty="0"/>
               <a:t> </a:t>
             </a:r>
             <a:r>
-              <a:rPr lang="hu-HU" dirty="0" err="1" smtClean="0"/>
+              <a:rPr lang="hu-HU" dirty="0" err="1"/>
               <a:t>draw</a:t>
             </a:r>
-            <a:endParaRPr lang="hu-HU" dirty="0" smtClean="0"/>
-          </a:p>
-          <a:p>
-            <a:r>
-              <a:rPr lang="hu-HU" dirty="0" smtClean="0"/>
+            <a:endParaRPr lang="hu-HU" dirty="0"/>
+          </a:p>
+          <a:p>
+            <a:r>
+              <a:rPr lang="hu-HU" dirty="0"/>
               <a:t>-</a:t>
             </a:r>
             <a:r>
-              <a:rPr lang="hu-HU" dirty="0" err="1" smtClean="0"/>
+              <a:rPr lang="hu-HU" dirty="0" err="1"/>
               <a:t>gifted</a:t>
             </a:r>
             <a:r>
-              <a:rPr lang="hu-HU" dirty="0" smtClean="0"/>
+              <a:rPr lang="hu-HU" dirty="0"/>
               <a:t> </a:t>
             </a:r>
             <a:r>
-              <a:rPr lang="hu-HU" dirty="0" err="1" smtClean="0"/>
+              <a:rPr lang="hu-HU" dirty="0" err="1"/>
               <a:t>chance</a:t>
             </a:r>
             <a:r>
-              <a:rPr lang="hu-HU" dirty="0" smtClean="0"/>
+              <a:rPr lang="hu-HU" dirty="0"/>
               <a:t> </a:t>
             </a:r>
           </a:p>
           <a:p>
             <a:r>
-              <a:rPr lang="hu-HU" dirty="0" smtClean="0"/>
+              <a:rPr lang="hu-HU" dirty="0"/>
               <a:t>-</a:t>
             </a:r>
             <a:r>
-              <a:rPr lang="hu-HU" dirty="0" err="1" smtClean="0"/>
+              <a:rPr lang="hu-HU" dirty="0" err="1"/>
               <a:t>binding</a:t>
             </a:r>
             <a:r>
-              <a:rPr lang="hu-HU" dirty="0" smtClean="0"/>
+              <a:rPr lang="hu-HU" dirty="0"/>
               <a:t> </a:t>
             </a:r>
             <a:r>
-              <a:rPr lang="hu-HU" dirty="0" err="1" smtClean="0"/>
+              <a:rPr lang="hu-HU" dirty="0" err="1"/>
               <a:t>chains</a:t>
             </a:r>
-            <a:endParaRPr lang="hu-HU" dirty="0" smtClean="0"/>
-          </a:p>
-          <a:p>
-            <a:r>
-              <a:rPr lang="hu-HU" dirty="0" smtClean="0"/>
+            <a:endParaRPr lang="hu-HU" dirty="0"/>
+          </a:p>
+          <a:p>
+            <a:r>
+              <a:rPr lang="hu-HU" dirty="0"/>
               <a:t>-</a:t>
             </a:r>
             <a:r>
-              <a:rPr lang="hu-HU" dirty="0" err="1" smtClean="0"/>
+              <a:rPr lang="hu-HU" dirty="0" err="1"/>
               <a:t>dodge</a:t>
             </a:r>
             <a:endParaRPr lang="hu-HU" dirty="0"/>
